--- a/Calendario2024/Presentaciones/2_DireccionamientoIPv4.pptx
+++ b/Calendario2024/Presentaciones/2_DireccionamientoIPv4.pptx
@@ -223,7 +223,7 @@
           <a:p>
             <a:fld id="{2D445F07-8756-451B-A938-0248325FC7BB}" type="datetimeFigureOut">
               <a:rPr lang="es-MX" smtClean="0"/>
-              <a:t>19/02/2023</a:t>
+              <a:t>11/02/2024</a:t>
             </a:fld>
             <a:endParaRPr lang="es-MX" dirty="0"/>
           </a:p>
@@ -382,7 +382,7 @@
           <a:p>
             <a:fld id="{5993AEC0-242E-4FA7-9D3C-51E1036AC3CB}" type="slidenum">
               <a:rPr lang="es-MX" smtClean="0"/>
-              <a:t>‹Nº›</a:t>
+              <a:t>‹#›</a:t>
             </a:fld>
             <a:endParaRPr lang="es-MX" dirty="0"/>
           </a:p>
@@ -1317,7 +1317,7 @@
           <a:p>
             <a:fld id="{5E75A0DC-66C6-4CEC-A5EB-F8C97CEC3796}" type="datetimeFigureOut">
               <a:rPr lang="es-MX" smtClean="0"/>
-              <a:t>19/02/2023</a:t>
+              <a:t>11/02/2024</a:t>
             </a:fld>
             <a:endParaRPr lang="es-MX" dirty="0"/>
           </a:p>
@@ -1359,7 +1359,7 @@
           <a:p>
             <a:fld id="{C077EE1E-7A06-4E7F-9AFB-189FC69B7B0C}" type="slidenum">
               <a:rPr lang="es-MX" smtClean="0"/>
-              <a:t>‹Nº›</a:t>
+              <a:t>‹#›</a:t>
             </a:fld>
             <a:endParaRPr lang="es-MX" dirty="0"/>
           </a:p>
@@ -1487,7 +1487,7 @@
           <a:p>
             <a:fld id="{5E75A0DC-66C6-4CEC-A5EB-F8C97CEC3796}" type="datetimeFigureOut">
               <a:rPr lang="es-MX" smtClean="0"/>
-              <a:t>19/02/2023</a:t>
+              <a:t>11/02/2024</a:t>
             </a:fld>
             <a:endParaRPr lang="es-MX" dirty="0"/>
           </a:p>
@@ -1529,7 +1529,7 @@
           <a:p>
             <a:fld id="{C077EE1E-7A06-4E7F-9AFB-189FC69B7B0C}" type="slidenum">
               <a:rPr lang="es-MX" smtClean="0"/>
-              <a:t>‹Nº›</a:t>
+              <a:t>‹#›</a:t>
             </a:fld>
             <a:endParaRPr lang="es-MX" dirty="0"/>
           </a:p>
@@ -1667,7 +1667,7 @@
           <a:p>
             <a:fld id="{5E75A0DC-66C6-4CEC-A5EB-F8C97CEC3796}" type="datetimeFigureOut">
               <a:rPr lang="es-MX" smtClean="0"/>
-              <a:t>19/02/2023</a:t>
+              <a:t>11/02/2024</a:t>
             </a:fld>
             <a:endParaRPr lang="es-MX" dirty="0"/>
           </a:p>
@@ -1709,7 +1709,7 @@
           <a:p>
             <a:fld id="{C077EE1E-7A06-4E7F-9AFB-189FC69B7B0C}" type="slidenum">
               <a:rPr lang="es-MX" smtClean="0"/>
-              <a:t>‹Nº›</a:t>
+              <a:t>‹#›</a:t>
             </a:fld>
             <a:endParaRPr lang="es-MX" dirty="0"/>
           </a:p>
@@ -1837,7 +1837,7 @@
           <a:p>
             <a:fld id="{5E75A0DC-66C6-4CEC-A5EB-F8C97CEC3796}" type="datetimeFigureOut">
               <a:rPr lang="es-MX" smtClean="0"/>
-              <a:t>19/02/2023</a:t>
+              <a:t>11/02/2024</a:t>
             </a:fld>
             <a:endParaRPr lang="es-MX" dirty="0"/>
           </a:p>
@@ -1879,7 +1879,7 @@
           <a:p>
             <a:fld id="{C077EE1E-7A06-4E7F-9AFB-189FC69B7B0C}" type="slidenum">
               <a:rPr lang="es-MX" smtClean="0"/>
-              <a:t>‹Nº›</a:t>
+              <a:t>‹#›</a:t>
             </a:fld>
             <a:endParaRPr lang="es-MX" dirty="0"/>
           </a:p>
@@ -2083,7 +2083,7 @@
           <a:p>
             <a:fld id="{5E75A0DC-66C6-4CEC-A5EB-F8C97CEC3796}" type="datetimeFigureOut">
               <a:rPr lang="es-MX" smtClean="0"/>
-              <a:t>19/02/2023</a:t>
+              <a:t>11/02/2024</a:t>
             </a:fld>
             <a:endParaRPr lang="es-MX" dirty="0"/>
           </a:p>
@@ -2125,7 +2125,7 @@
           <a:p>
             <a:fld id="{C077EE1E-7A06-4E7F-9AFB-189FC69B7B0C}" type="slidenum">
               <a:rPr lang="es-MX" smtClean="0"/>
-              <a:t>‹Nº›</a:t>
+              <a:t>‹#›</a:t>
             </a:fld>
             <a:endParaRPr lang="es-MX" dirty="0"/>
           </a:p>
@@ -2371,7 +2371,7 @@
           <a:p>
             <a:fld id="{5E75A0DC-66C6-4CEC-A5EB-F8C97CEC3796}" type="datetimeFigureOut">
               <a:rPr lang="es-MX" smtClean="0"/>
-              <a:t>19/02/2023</a:t>
+              <a:t>11/02/2024</a:t>
             </a:fld>
             <a:endParaRPr lang="es-MX" dirty="0"/>
           </a:p>
@@ -2413,7 +2413,7 @@
           <a:p>
             <a:fld id="{C077EE1E-7A06-4E7F-9AFB-189FC69B7B0C}" type="slidenum">
               <a:rPr lang="es-MX" smtClean="0"/>
-              <a:t>‹Nº›</a:t>
+              <a:t>‹#›</a:t>
             </a:fld>
             <a:endParaRPr lang="es-MX" dirty="0"/>
           </a:p>
@@ -2793,7 +2793,7 @@
           <a:p>
             <a:fld id="{5E75A0DC-66C6-4CEC-A5EB-F8C97CEC3796}" type="datetimeFigureOut">
               <a:rPr lang="es-MX" smtClean="0"/>
-              <a:t>19/02/2023</a:t>
+              <a:t>11/02/2024</a:t>
             </a:fld>
             <a:endParaRPr lang="es-MX" dirty="0"/>
           </a:p>
@@ -2835,7 +2835,7 @@
           <a:p>
             <a:fld id="{C077EE1E-7A06-4E7F-9AFB-189FC69B7B0C}" type="slidenum">
               <a:rPr lang="es-MX" smtClean="0"/>
-              <a:t>‹Nº›</a:t>
+              <a:t>‹#›</a:t>
             </a:fld>
             <a:endParaRPr lang="es-MX" dirty="0"/>
           </a:p>
@@ -2911,7 +2911,7 @@
           <a:p>
             <a:fld id="{5E75A0DC-66C6-4CEC-A5EB-F8C97CEC3796}" type="datetimeFigureOut">
               <a:rPr lang="es-MX" smtClean="0"/>
-              <a:t>19/02/2023</a:t>
+              <a:t>11/02/2024</a:t>
             </a:fld>
             <a:endParaRPr lang="es-MX" dirty="0"/>
           </a:p>
@@ -2953,7 +2953,7 @@
           <a:p>
             <a:fld id="{C077EE1E-7A06-4E7F-9AFB-189FC69B7B0C}" type="slidenum">
               <a:rPr lang="es-MX" smtClean="0"/>
-              <a:t>‹Nº›</a:t>
+              <a:t>‹#›</a:t>
             </a:fld>
             <a:endParaRPr lang="es-MX" dirty="0"/>
           </a:p>
@@ -3006,7 +3006,7 @@
           <a:p>
             <a:fld id="{5E75A0DC-66C6-4CEC-A5EB-F8C97CEC3796}" type="datetimeFigureOut">
               <a:rPr lang="es-MX" smtClean="0"/>
-              <a:t>19/02/2023</a:t>
+              <a:t>11/02/2024</a:t>
             </a:fld>
             <a:endParaRPr lang="es-MX" dirty="0"/>
           </a:p>
@@ -3048,7 +3048,7 @@
           <a:p>
             <a:fld id="{C077EE1E-7A06-4E7F-9AFB-189FC69B7B0C}" type="slidenum">
               <a:rPr lang="es-MX" smtClean="0"/>
-              <a:t>‹Nº›</a:t>
+              <a:t>‹#›</a:t>
             </a:fld>
             <a:endParaRPr lang="es-MX" dirty="0"/>
           </a:p>
@@ -3283,7 +3283,7 @@
           <a:p>
             <a:fld id="{5E75A0DC-66C6-4CEC-A5EB-F8C97CEC3796}" type="datetimeFigureOut">
               <a:rPr lang="es-MX" smtClean="0"/>
-              <a:t>19/02/2023</a:t>
+              <a:t>11/02/2024</a:t>
             </a:fld>
             <a:endParaRPr lang="es-MX" dirty="0"/>
           </a:p>
@@ -3325,7 +3325,7 @@
           <a:p>
             <a:fld id="{C077EE1E-7A06-4E7F-9AFB-189FC69B7B0C}" type="slidenum">
               <a:rPr lang="es-MX" smtClean="0"/>
-              <a:t>‹Nº›</a:t>
+              <a:t>‹#›</a:t>
             </a:fld>
             <a:endParaRPr lang="es-MX" dirty="0"/>
           </a:p>
@@ -3536,7 +3536,7 @@
           <a:p>
             <a:fld id="{5E75A0DC-66C6-4CEC-A5EB-F8C97CEC3796}" type="datetimeFigureOut">
               <a:rPr lang="es-MX" smtClean="0"/>
-              <a:t>19/02/2023</a:t>
+              <a:t>11/02/2024</a:t>
             </a:fld>
             <a:endParaRPr lang="es-MX" dirty="0"/>
           </a:p>
@@ -3578,7 +3578,7 @@
           <a:p>
             <a:fld id="{C077EE1E-7A06-4E7F-9AFB-189FC69B7B0C}" type="slidenum">
               <a:rPr lang="es-MX" smtClean="0"/>
-              <a:t>‹Nº›</a:t>
+              <a:t>‹#›</a:t>
             </a:fld>
             <a:endParaRPr lang="es-MX" dirty="0"/>
           </a:p>
@@ -3749,7 +3749,7 @@
           <a:p>
             <a:fld id="{5E75A0DC-66C6-4CEC-A5EB-F8C97CEC3796}" type="datetimeFigureOut">
               <a:rPr lang="es-MX" smtClean="0"/>
-              <a:t>19/02/2023</a:t>
+              <a:t>11/02/2024</a:t>
             </a:fld>
             <a:endParaRPr lang="es-MX" dirty="0"/>
           </a:p>
@@ -3827,7 +3827,7 @@
           <a:p>
             <a:fld id="{C077EE1E-7A06-4E7F-9AFB-189FC69B7B0C}" type="slidenum">
               <a:rPr lang="es-MX" smtClean="0"/>
-              <a:t>‹Nº›</a:t>
+              <a:t>‹#›</a:t>
             </a:fld>
             <a:endParaRPr lang="es-MX" dirty="0"/>
           </a:p>
@@ -9736,8 +9736,8 @@
         </p:nvSpPr>
         <p:spPr>
           <a:xfrm>
-            <a:off x="576229" y="949325"/>
-            <a:ext cx="7867510" cy="1039515"/>
+            <a:off x="569413" y="1195546"/>
+            <a:ext cx="7867510" cy="1316514"/>
           </a:xfrm>
           <a:prstGeom prst="rect">
             <a:avLst/>
@@ -9750,14 +9750,11 @@
           <a:lstStyle/>
           <a:p>
             <a:pPr algn="just">
-              <a:lnSpc>
-                <a:spcPct val="150000"/>
-              </a:lnSpc>
               <a:spcBef>
-                <a:spcPts val="1200"/>
+                <a:spcPts val="600"/>
               </a:spcBef>
               <a:spcAft>
-                <a:spcPts val="1200"/>
+                <a:spcPts val="600"/>
               </a:spcAft>
               <a:tabLst>
                 <a:tab pos="4553585" algn="l"/>
@@ -9775,7 +9772,7 @@
                 <a:latin typeface="Arial" panose="020B0604020202020204" pitchFamily="34" charset="0"/>
                 <a:cs typeface="Arial" panose="020B0604020202020204" pitchFamily="34" charset="0"/>
               </a:rPr>
-              <a:t>dirección de broadcast</a:t>
+              <a:t>dirección de broadcast de una subred</a:t>
             </a:r>
             <a:r>
               <a:rPr lang="es-ES" sz="2000" spc="-5" dirty="0">
@@ -9792,7 +9789,33 @@
                 <a:latin typeface="Arial" panose="020B0604020202020204" pitchFamily="34" charset="0"/>
                 <a:cs typeface="Arial" panose="020B0604020202020204" pitchFamily="34" charset="0"/>
               </a:rPr>
-              <a:t> 1</a:t>
+              <a:t> </a:t>
+            </a:r>
+          </a:p>
+          <a:p>
+            <a:pPr algn="just">
+              <a:lnSpc>
+                <a:spcPct val="150000"/>
+              </a:lnSpc>
+              <a:spcBef>
+                <a:spcPts val="600"/>
+              </a:spcBef>
+              <a:spcAft>
+                <a:spcPts val="600"/>
+              </a:spcAft>
+              <a:tabLst>
+                <a:tab pos="4553585" algn="l"/>
+              </a:tabLst>
+            </a:pPr>
+            <a:r>
+              <a:rPr lang="es-MX" sz="2400" b="1" dirty="0">
+                <a:solidFill>
+                  <a:srgbClr val="0070C0"/>
+                </a:solidFill>
+                <a:latin typeface="Arial" panose="020B0604020202020204" pitchFamily="34" charset="0"/>
+                <a:cs typeface="Arial" panose="020B0604020202020204" pitchFamily="34" charset="0"/>
+              </a:rPr>
+              <a:t>1</a:t>
             </a:r>
             <a:r>
               <a:rPr lang="es-MX" sz="2400" b="1" spc="5" dirty="0">
@@ -9902,7 +9925,7 @@
                 <a:latin typeface="Arial" panose="020B0604020202020204" pitchFamily="34" charset="0"/>
                 <a:cs typeface="Arial" panose="020B0604020202020204" pitchFamily="34" charset="0"/>
               </a:rPr>
-              <a:t> 2</a:t>
+              <a:t> 0</a:t>
             </a:r>
             <a:r>
               <a:rPr lang="es-MX" sz="2400" b="1" dirty="0">
@@ -9960,7 +9983,7 @@
         </p:nvSpPr>
         <p:spPr>
           <a:xfrm>
-            <a:off x="827584" y="4243507"/>
+            <a:off x="802474" y="4894468"/>
             <a:ext cx="5722250" cy="1676100"/>
           </a:xfrm>
           <a:prstGeom prst="rect">
@@ -10055,7 +10078,7 @@
                   <a:srgbClr val="FF0000"/>
                 </a:solidFill>
               </a:rPr>
-              <a:t>Dirección IP:                      10. 25. 96. 2 </a:t>
+              <a:t>Dirección de subred:        10. 25. 96. 0 </a:t>
             </a:r>
           </a:p>
           <a:p>
@@ -10132,7 +10155,7 @@
         </p:nvSpPr>
         <p:spPr>
           <a:xfrm>
-            <a:off x="574450" y="2308260"/>
+            <a:off x="549340" y="2959221"/>
             <a:ext cx="8229600" cy="1615827"/>
           </a:xfrm>
           <a:prstGeom prst="rect">
@@ -19243,6 +19266,60 @@
               <a:t> </a:t>
             </a:r>
             <a:r>
+              <a:rPr sz="2000" b="1" spc="-15" dirty="0" err="1">
+                <a:cs typeface="Times New Roman"/>
+              </a:rPr>
+              <a:t>d</a:t>
+            </a:r>
+            <a:r>
+              <a:rPr sz="2000" b="1" dirty="0" err="1">
+                <a:cs typeface="Times New Roman"/>
+              </a:rPr>
+              <a:t>irec</a:t>
+            </a:r>
+            <a:r>
+              <a:rPr sz="2000" b="1" spc="-10" dirty="0" err="1">
+                <a:cs typeface="Times New Roman"/>
+              </a:rPr>
+              <a:t>c</a:t>
+            </a:r>
+            <a:r>
+              <a:rPr sz="2000" b="1" dirty="0" err="1">
+                <a:cs typeface="Times New Roman"/>
+              </a:rPr>
+              <a:t>i</a:t>
+            </a:r>
+            <a:r>
+              <a:rPr sz="2000" b="1" spc="-10" dirty="0" err="1">
+                <a:cs typeface="Times New Roman"/>
+              </a:rPr>
+              <a:t>ó</a:t>
+            </a:r>
+            <a:r>
+              <a:rPr sz="2000" b="1" dirty="0" err="1">
+                <a:cs typeface="Times New Roman"/>
+              </a:rPr>
+              <a:t>n</a:t>
+            </a:r>
+            <a:r>
+              <a:rPr sz="2000" b="1" dirty="0">
+                <a:cs typeface="Times New Roman"/>
+              </a:rPr>
+              <a:t> </a:t>
+            </a:r>
+            <a:r>
+              <a:rPr sz="2000" b="1" spc="-25" dirty="0">
+                <a:cs typeface="Times New Roman"/>
+              </a:rPr>
+              <a:t> </a:t>
+            </a:r>
+            <a:r>
+              <a:rPr sz="2000" b="1" dirty="0">
+                <a:cs typeface="Times New Roman"/>
+              </a:rPr>
+              <a:t>broa</a:t>
+            </a:r>
+            <a:r>
               <a:rPr sz="2000" b="1" spc="-15" dirty="0">
                 <a:cs typeface="Times New Roman"/>
               </a:rPr>
@@ -19252,31 +19329,91 @@
               <a:rPr sz="2000" b="1" dirty="0">
                 <a:cs typeface="Times New Roman"/>
               </a:rPr>
+              <a:t>cast </a:t>
+            </a:r>
+            <a:r>
+              <a:rPr sz="2000" b="1" spc="-35" dirty="0">
+                <a:cs typeface="Times New Roman"/>
+              </a:rPr>
+              <a:t> </a:t>
+            </a:r>
+            <a:r>
+              <a:rPr sz="2000" dirty="0">
+                <a:cs typeface="Times New Roman"/>
+              </a:rPr>
+              <a:t>de </a:t>
+            </a:r>
+            <a:r>
+              <a:rPr sz="2000" spc="-25" dirty="0">
+                <a:cs typeface="Times New Roman"/>
+              </a:rPr>
+              <a:t> </a:t>
+            </a:r>
+            <a:r>
+              <a:rPr sz="2000" dirty="0" err="1">
+                <a:cs typeface="Times New Roman"/>
+              </a:rPr>
+              <a:t>u</a:t>
+            </a:r>
+            <a:r>
+              <a:rPr sz="2000" spc="-15" dirty="0" err="1">
+                <a:cs typeface="Times New Roman"/>
+              </a:rPr>
+              <a:t>n</a:t>
+            </a:r>
+            <a:r>
+              <a:rPr sz="2000" dirty="0" err="1">
+                <a:cs typeface="Times New Roman"/>
+              </a:rPr>
+              <a:t>a</a:t>
+            </a:r>
+            <a:r>
+              <a:rPr sz="2000" dirty="0">
+                <a:cs typeface="Times New Roman"/>
+              </a:rPr>
+              <a:t> </a:t>
+            </a:r>
+            <a:r>
+              <a:rPr sz="2000" spc="-25" dirty="0">
+                <a:cs typeface="Times New Roman"/>
+              </a:rPr>
+              <a:t> </a:t>
+            </a:r>
+            <a:r>
+              <a:rPr sz="2000" b="1" spc="-15" dirty="0" err="1">
+                <a:cs typeface="Times New Roman"/>
+              </a:rPr>
+              <a:t>d</a:t>
+            </a:r>
+            <a:r>
+              <a:rPr sz="2000" b="1" dirty="0" err="1">
+                <a:cs typeface="Times New Roman"/>
+              </a:rPr>
               <a:t>irec</a:t>
             </a:r>
             <a:r>
-              <a:rPr sz="2000" b="1" spc="-10" dirty="0">
+              <a:rPr sz="2000" b="1" spc="-10" dirty="0" err="1">
                 <a:cs typeface="Times New Roman"/>
               </a:rPr>
               <a:t>c</a:t>
+            </a:r>
+            <a:r>
+              <a:rPr sz="2000" b="1" dirty="0" err="1">
+                <a:cs typeface="Times New Roman"/>
+              </a:rPr>
+              <a:t>ión</a:t>
+            </a:r>
+            <a:r>
+              <a:rPr lang="es-MX" sz="2000" b="1" dirty="0">
+                <a:cs typeface="Times New Roman"/>
+              </a:rPr>
+              <a:t> de red</a:t>
             </a:r>
             <a:r>
               <a:rPr sz="2000" b="1" dirty="0">
                 <a:cs typeface="Times New Roman"/>
               </a:rPr>
-              <a:t>i</a:t>
-            </a:r>
-            <a:r>
-              <a:rPr sz="2000" b="1" spc="-10" dirty="0">
-                <a:cs typeface="Times New Roman"/>
-              </a:rPr>
-              <a:t>ó</a:t>
-            </a:r>
-            <a:r>
-              <a:rPr sz="2000" b="1" dirty="0">
-                <a:cs typeface="Times New Roman"/>
-              </a:rPr>
-              <a:t>n </a:t>
+              <a:t> </a:t>
             </a:r>
             <a:r>
               <a:rPr sz="2000" b="1" spc="-25" dirty="0">
@@ -19285,333 +19422,243 @@
               <a:t> </a:t>
             </a:r>
             <a:r>
-              <a:rPr sz="2000" b="1" dirty="0">
-                <a:cs typeface="Times New Roman"/>
-              </a:rPr>
-              <a:t>broa</a:t>
-            </a:r>
-            <a:r>
-              <a:rPr sz="2000" b="1" spc="-15" dirty="0">
-                <a:cs typeface="Times New Roman"/>
-              </a:rPr>
-              <a:t>d</a:t>
-            </a:r>
-            <a:r>
-              <a:rPr sz="2000" b="1" dirty="0">
-                <a:cs typeface="Times New Roman"/>
-              </a:rPr>
-              <a:t>cast </a:t>
-            </a:r>
-            <a:r>
-              <a:rPr sz="2000" b="1" spc="-35" dirty="0">
-                <a:cs typeface="Times New Roman"/>
-              </a:rPr>
-              <a:t> </a:t>
-            </a:r>
-            <a:r>
               <a:rPr sz="2000" dirty="0">
                 <a:cs typeface="Times New Roman"/>
               </a:rPr>
-              <a:t>de </a:t>
+              <a:t>se </a:t>
+            </a:r>
+            <a:r>
+              <a:rPr sz="2000" spc="-20" dirty="0">
+                <a:cs typeface="Times New Roman"/>
+              </a:rPr>
+              <a:t> </a:t>
+            </a:r>
+            <a:r>
+              <a:rPr sz="2000" dirty="0">
+                <a:cs typeface="Times New Roman"/>
+              </a:rPr>
+              <a:t>for</a:t>
             </a:r>
             <a:r>
               <a:rPr sz="2000" spc="-25" dirty="0">
                 <a:cs typeface="Times New Roman"/>
               </a:rPr>
-              <a:t> </a:t>
+              <a:t>m</a:t>
             </a:r>
             <a:r>
               <a:rPr sz="2000" dirty="0">
                 <a:cs typeface="Times New Roman"/>
               </a:rPr>
-              <a:t>u</a:t>
+              <a:t>a </a:t>
+            </a:r>
+            <a:r>
+              <a:rPr sz="2000" spc="-25" dirty="0">
+                <a:cs typeface="Times New Roman"/>
+              </a:rPr>
+              <a:t> </a:t>
+            </a:r>
+            <a:r>
+              <a:rPr sz="2000" spc="-10" dirty="0">
+                <a:cs typeface="Times New Roman"/>
+              </a:rPr>
+              <a:t>al </a:t>
+            </a:r>
+            <a:r>
+              <a:rPr sz="2000" dirty="0" err="1">
+                <a:cs typeface="Times New Roman"/>
+              </a:rPr>
+              <a:t>cop</a:t>
+            </a:r>
+            <a:r>
+              <a:rPr sz="2000" spc="-10" dirty="0" err="1">
+                <a:cs typeface="Times New Roman"/>
+              </a:rPr>
+              <a:t>i</a:t>
+            </a:r>
+            <a:r>
+              <a:rPr sz="2000" dirty="0" err="1">
+                <a:cs typeface="Times New Roman"/>
+              </a:rPr>
+              <a:t>a</a:t>
+            </a:r>
+            <a:r>
+              <a:rPr sz="2000" spc="-95" dirty="0" err="1">
+                <a:cs typeface="Times New Roman"/>
+              </a:rPr>
+              <a:t>r</a:t>
+            </a:r>
+            <a:r>
+              <a:rPr sz="2000" dirty="0">
+                <a:cs typeface="Times New Roman"/>
+              </a:rPr>
+              <a:t>, </a:t>
+            </a:r>
+            <a:r>
+              <a:rPr sz="2000" dirty="0" err="1">
+                <a:cs typeface="Times New Roman"/>
+              </a:rPr>
+              <a:t>de</a:t>
+            </a:r>
+            <a:r>
+              <a:rPr sz="2000" spc="-15" dirty="0" err="1">
+                <a:cs typeface="Times New Roman"/>
+              </a:rPr>
+              <a:t>p</a:t>
+            </a:r>
+            <a:r>
+              <a:rPr sz="2000" spc="-10" dirty="0" err="1">
+                <a:cs typeface="Times New Roman"/>
+              </a:rPr>
+              <a:t>e</a:t>
+            </a:r>
+            <a:r>
+              <a:rPr sz="2000" dirty="0" err="1">
+                <a:cs typeface="Times New Roman"/>
+              </a:rPr>
+              <a:t>ndiendo</a:t>
             </a:r>
             <a:r>
               <a:rPr sz="2000" spc="-15" dirty="0">
                 <a:cs typeface="Times New Roman"/>
               </a:rPr>
-              <a:t>n</a:t>
+              <a:t> </a:t>
             </a:r>
             <a:r>
               <a:rPr sz="2000" dirty="0">
                 <a:cs typeface="Times New Roman"/>
               </a:rPr>
-              <a:t>a </a:t>
-            </a:r>
-            <a:r>
-              <a:rPr sz="2000" spc="-25" dirty="0">
-                <a:cs typeface="Times New Roman"/>
-              </a:rPr>
-              <a:t> </a:t>
+              <a:t>la</a:t>
             </a:r>
             <a:r>
               <a:rPr sz="2000" spc="-15" dirty="0">
                 <a:cs typeface="Times New Roman"/>
               </a:rPr>
-              <a:t>d</a:t>
+              <a:t> </a:t>
+            </a:r>
+            <a:r>
+              <a:rPr sz="2000" spc="-10" dirty="0" err="1">
+                <a:cs typeface="Times New Roman"/>
+              </a:rPr>
+              <a:t>c</a:t>
+            </a:r>
+            <a:r>
+              <a:rPr sz="2000" dirty="0" err="1">
+                <a:cs typeface="Times New Roman"/>
+              </a:rPr>
+              <a:t>lase</a:t>
+            </a:r>
+            <a:r>
+              <a:rPr sz="2000" spc="-5" dirty="0">
+                <a:cs typeface="Times New Roman"/>
+              </a:rPr>
+              <a:t> </a:t>
             </a:r>
             <a:r>
               <a:rPr sz="2000" dirty="0">
                 <a:cs typeface="Times New Roman"/>
               </a:rPr>
-              <a:t>irec</a:t>
+              <a:t>a</a:t>
+            </a:r>
+            <a:r>
+              <a:rPr sz="2000" spc="-15" dirty="0">
+                <a:cs typeface="Times New Roman"/>
+              </a:rPr>
+              <a:t> </a:t>
+            </a:r>
+            <a:r>
+              <a:rPr sz="2000" dirty="0">
+                <a:cs typeface="Times New Roman"/>
+              </a:rPr>
+              <a:t>la q</a:t>
+            </a:r>
+            <a:r>
+              <a:rPr sz="2000" spc="-15" dirty="0">
+                <a:cs typeface="Times New Roman"/>
+              </a:rPr>
+              <a:t>u</a:t>
+            </a:r>
+            <a:r>
+              <a:rPr sz="2000" dirty="0">
+                <a:cs typeface="Times New Roman"/>
+              </a:rPr>
+              <a:t>e</a:t>
             </a:r>
             <a:r>
               <a:rPr sz="2000" spc="-10" dirty="0">
                 <a:cs typeface="Times New Roman"/>
               </a:rPr>
-              <a:t>c</a:t>
+              <a:t> </a:t>
+            </a:r>
+            <a:r>
+              <a:rPr sz="2000" dirty="0" err="1">
+                <a:cs typeface="Times New Roman"/>
+              </a:rPr>
+              <a:t>perten</a:t>
+            </a:r>
+            <a:r>
+              <a:rPr sz="2000" spc="-15" dirty="0" err="1">
+                <a:cs typeface="Times New Roman"/>
+              </a:rPr>
+              <a:t>e</a:t>
+            </a:r>
+            <a:r>
+              <a:rPr sz="2000" dirty="0" err="1">
+                <a:cs typeface="Times New Roman"/>
+              </a:rPr>
+              <a:t>ce</a:t>
+            </a:r>
+            <a:r>
+              <a:rPr sz="2000" spc="-10" dirty="0">
+                <a:cs typeface="Times New Roman"/>
+              </a:rPr>
+              <a:t> </a:t>
             </a:r>
             <a:r>
               <a:rPr sz="2000" dirty="0">
                 <a:cs typeface="Times New Roman"/>
               </a:rPr>
-              <a:t>ión </a:t>
-            </a:r>
-            <a:r>
-              <a:rPr sz="2000" spc="-30" dirty="0">
+              <a:t>la</a:t>
+            </a:r>
+            <a:r>
+              <a:rPr sz="2000" spc="-15" dirty="0">
                 <a:cs typeface="Times New Roman"/>
               </a:rPr>
               <a:t> </a:t>
+            </a:r>
+            <a:r>
+              <a:rPr sz="2000" dirty="0" err="1">
+                <a:cs typeface="Times New Roman"/>
+              </a:rPr>
+              <a:t>direc</a:t>
+            </a:r>
+            <a:r>
+              <a:rPr sz="2000" spc="-15" dirty="0" err="1">
+                <a:cs typeface="Times New Roman"/>
+              </a:rPr>
+              <a:t>c</a:t>
+            </a:r>
+            <a:r>
+              <a:rPr sz="2000" dirty="0" err="1">
+                <a:cs typeface="Times New Roman"/>
+              </a:rPr>
+              <a:t>ión</a:t>
             </a:r>
             <a:r>
               <a:rPr sz="2000" dirty="0">
                 <a:cs typeface="Times New Roman"/>
               </a:rPr>
-              <a:t>IPv4 </a:t>
-            </a:r>
-            <a:r>
-              <a:rPr sz="2000" spc="-25" dirty="0">
+              <a:t> I</a:t>
+            </a:r>
+            <a:r>
+              <a:rPr sz="2000" spc="-280" dirty="0">
                 <a:cs typeface="Times New Roman"/>
               </a:rPr>
-              <a:t> </a:t>
+              <a:t>P</a:t>
             </a:r>
             <a:r>
               <a:rPr sz="2000" dirty="0">
                 <a:cs typeface="Times New Roman"/>
               </a:rPr>
-              <a:t>se </a:t>
-            </a:r>
-            <a:r>
-              <a:rPr sz="2000" spc="-20" dirty="0">
-                <a:cs typeface="Times New Roman"/>
-              </a:rPr>
-              <a:t> </a:t>
-            </a:r>
-            <a:r>
-              <a:rPr sz="2000" dirty="0">
-                <a:cs typeface="Times New Roman"/>
-              </a:rPr>
-              <a:t>for</a:t>
-            </a:r>
-            <a:r>
-              <a:rPr sz="2000" spc="-25" dirty="0">
-                <a:cs typeface="Times New Roman"/>
-              </a:rPr>
-              <a:t>m</a:t>
-            </a:r>
-            <a:r>
-              <a:rPr sz="2000" dirty="0">
-                <a:cs typeface="Times New Roman"/>
-              </a:rPr>
-              <a:t>a </a:t>
-            </a:r>
-            <a:r>
-              <a:rPr sz="2000" spc="-25" dirty="0">
-                <a:cs typeface="Times New Roman"/>
-              </a:rPr>
-              <a:t> </a:t>
-            </a:r>
-            <a:r>
-              <a:rPr sz="2000" spc="-10" dirty="0">
-                <a:cs typeface="Times New Roman"/>
-              </a:rPr>
-              <a:t>al </a:t>
-            </a:r>
-            <a:r>
-              <a:rPr sz="2000" dirty="0">
-                <a:cs typeface="Times New Roman"/>
-              </a:rPr>
-              <a:t>cop</a:t>
-            </a:r>
-            <a:r>
-              <a:rPr sz="2000" spc="-10" dirty="0">
-                <a:cs typeface="Times New Roman"/>
-              </a:rPr>
-              <a:t>i</a:t>
-            </a:r>
-            <a:r>
-              <a:rPr sz="2000" dirty="0">
-                <a:cs typeface="Times New Roman"/>
-              </a:rPr>
-              <a:t>a</a:t>
-            </a:r>
-            <a:r>
-              <a:rPr sz="2000" spc="-95" dirty="0">
-                <a:cs typeface="Times New Roman"/>
-              </a:rPr>
-              <a:t>r</a:t>
-            </a:r>
-            <a:r>
-              <a:rPr sz="2000" dirty="0">
-                <a:cs typeface="Times New Roman"/>
-              </a:rPr>
-              <a:t>, de</a:t>
-            </a:r>
-            <a:r>
-              <a:rPr sz="2000" spc="-15" dirty="0">
-                <a:cs typeface="Times New Roman"/>
-              </a:rPr>
-              <a:t>p</a:t>
-            </a:r>
-            <a:r>
-              <a:rPr sz="2000" spc="-10" dirty="0">
-                <a:cs typeface="Times New Roman"/>
-              </a:rPr>
-              <a:t>e</a:t>
-            </a:r>
-            <a:r>
-              <a:rPr sz="2000" dirty="0">
-                <a:cs typeface="Times New Roman"/>
-              </a:rPr>
-              <a:t>ndiendo</a:t>
-            </a:r>
-            <a:r>
-              <a:rPr sz="2000" spc="-15" dirty="0">
-                <a:cs typeface="Times New Roman"/>
-              </a:rPr>
-              <a:t> </a:t>
-            </a:r>
-            <a:r>
-              <a:rPr sz="2000" dirty="0">
-                <a:cs typeface="Times New Roman"/>
-              </a:rPr>
-              <a:t>la</a:t>
-            </a:r>
-            <a:r>
-              <a:rPr sz="2000" spc="-15" dirty="0">
-                <a:cs typeface="Times New Roman"/>
-              </a:rPr>
-              <a:t> </a:t>
-            </a:r>
-            <a:r>
-              <a:rPr sz="2000" spc="-10" dirty="0">
-                <a:cs typeface="Times New Roman"/>
-              </a:rPr>
-              <a:t>c</a:t>
-            </a:r>
-            <a:r>
-              <a:rPr sz="2000" dirty="0">
-                <a:cs typeface="Times New Roman"/>
-              </a:rPr>
-              <a:t>lase</a:t>
-            </a:r>
-            <a:r>
-              <a:rPr sz="2000" spc="-5" dirty="0">
-                <a:cs typeface="Times New Roman"/>
-              </a:rPr>
-              <a:t> </a:t>
-            </a:r>
-            <a:r>
-              <a:rPr sz="2000" dirty="0">
-                <a:cs typeface="Times New Roman"/>
-              </a:rPr>
-              <a:t>a</a:t>
-            </a:r>
-            <a:r>
-              <a:rPr sz="2000" spc="-15" dirty="0">
-                <a:cs typeface="Times New Roman"/>
-              </a:rPr>
-              <a:t> </a:t>
-            </a:r>
-            <a:r>
-              <a:rPr sz="2000" dirty="0">
-                <a:cs typeface="Times New Roman"/>
-              </a:rPr>
-              <a:t>la q</a:t>
-            </a:r>
-            <a:r>
-              <a:rPr sz="2000" spc="-15" dirty="0">
-                <a:cs typeface="Times New Roman"/>
-              </a:rPr>
-              <a:t>u</a:t>
-            </a:r>
-            <a:r>
-              <a:rPr sz="2000" dirty="0">
-                <a:cs typeface="Times New Roman"/>
-              </a:rPr>
-              <a:t>e</a:t>
-            </a:r>
-            <a:r>
-              <a:rPr sz="2000" spc="-10" dirty="0">
-                <a:cs typeface="Times New Roman"/>
-              </a:rPr>
-              <a:t> </a:t>
-            </a:r>
-            <a:r>
-              <a:rPr sz="2000" dirty="0">
-                <a:cs typeface="Times New Roman"/>
-              </a:rPr>
-              <a:t>perten</a:t>
-            </a:r>
-            <a:r>
-              <a:rPr sz="2000" spc="-15" dirty="0">
-                <a:cs typeface="Times New Roman"/>
-              </a:rPr>
-              <a:t>e</a:t>
-            </a:r>
-            <a:r>
-              <a:rPr sz="2000" dirty="0">
-                <a:cs typeface="Times New Roman"/>
-              </a:rPr>
-              <a:t>ce</a:t>
-            </a:r>
-            <a:r>
-              <a:rPr sz="2000" spc="-10" dirty="0">
-                <a:cs typeface="Times New Roman"/>
-              </a:rPr>
-              <a:t> </a:t>
-            </a:r>
-            <a:r>
-              <a:rPr sz="2000" dirty="0">
-                <a:cs typeface="Times New Roman"/>
-              </a:rPr>
-              <a:t>la</a:t>
-            </a:r>
-            <a:r>
-              <a:rPr sz="2000" spc="-15" dirty="0">
-                <a:cs typeface="Times New Roman"/>
-              </a:rPr>
-              <a:t> </a:t>
-            </a:r>
-            <a:r>
-              <a:rPr sz="2000" dirty="0">
-                <a:cs typeface="Times New Roman"/>
-              </a:rPr>
-              <a:t>direc</a:t>
-            </a:r>
-            <a:r>
-              <a:rPr sz="2000" spc="-15" dirty="0">
-                <a:cs typeface="Times New Roman"/>
-              </a:rPr>
-              <a:t>c</a:t>
-            </a:r>
-            <a:r>
-              <a:rPr sz="2000" dirty="0">
-                <a:cs typeface="Times New Roman"/>
-              </a:rPr>
-              <a:t>ión I</a:t>
-            </a:r>
-            <a:r>
-              <a:rPr sz="2000" spc="-280" dirty="0">
-                <a:cs typeface="Times New Roman"/>
-              </a:rPr>
-              <a:t>P</a:t>
-            </a:r>
-            <a:r>
-              <a:rPr sz="2000" dirty="0">
-                <a:cs typeface="Times New Roman"/>
-              </a:rPr>
               <a:t>, los</a:t>
             </a:r>
             <a:r>
@@ -19621,7 +19668,7 @@
               <a:t> </a:t>
             </a:r>
             <a:r>
-              <a:rPr sz="2000" dirty="0">
+              <a:rPr sz="2000" dirty="0" err="1">
                 <a:cs typeface="Times New Roman"/>
               </a:rPr>
               <a:t>valores</a:t>
@@ -19699,7 +19746,7 @@
               <a:t> </a:t>
             </a:r>
             <a:r>
-              <a:rPr sz="2000" b="1" dirty="0">
+              <a:rPr sz="2000" b="1" dirty="0" err="1">
                 <a:highlight>
                   <a:srgbClr val="FFFF00"/>
                 </a:highlight>
@@ -19708,7 +19755,7 @@
               <a:t>reser</a:t>
             </a:r>
             <a:r>
-              <a:rPr sz="2000" b="1" spc="-10" dirty="0">
+              <a:rPr sz="2000" b="1" spc="-10" dirty="0" err="1">
                 <a:highlight>
                   <a:srgbClr val="FFFF00"/>
                 </a:highlight>
@@ -19717,7 +19764,7 @@
               <a:t>v</a:t>
             </a:r>
             <a:r>
-              <a:rPr sz="2000" b="1" dirty="0">
+              <a:rPr sz="2000" b="1" dirty="0" err="1">
                 <a:highlight>
                   <a:srgbClr val="FFFF00"/>
                 </a:highlight>
@@ -19747,79 +19794,217 @@
               <a:t> </a:t>
             </a:r>
             <a:r>
+              <a:rPr sz="2000" dirty="0" err="1">
+                <a:cs typeface="Times New Roman"/>
+              </a:rPr>
+              <a:t>a</a:t>
+            </a:r>
+            <a:r>
+              <a:rPr sz="2000" spc="-10" dirty="0" err="1">
+                <a:cs typeface="Times New Roman"/>
+              </a:rPr>
+              <a:t>s</a:t>
+            </a:r>
+            <a:r>
+              <a:rPr sz="2000" dirty="0" err="1">
+                <a:cs typeface="Times New Roman"/>
+              </a:rPr>
+              <a:t>ignar</a:t>
+            </a:r>
+            <a:r>
+              <a:rPr sz="2000" spc="70" dirty="0">
+                <a:cs typeface="Times New Roman"/>
+              </a:rPr>
+              <a:t> </a:t>
+            </a:r>
+            <a:r>
+              <a:rPr sz="2000" spc="-10" dirty="0">
+                <a:cs typeface="Times New Roman"/>
+              </a:rPr>
+              <a:t>e</a:t>
+            </a:r>
+            <a:r>
               <a:rPr sz="2000" dirty="0">
                 <a:cs typeface="Times New Roman"/>
               </a:rPr>
-              <a:t>a</a:t>
+              <a:t>l</a:t>
+            </a:r>
+            <a:r>
+              <a:rPr sz="2000" spc="60" dirty="0">
+                <a:cs typeface="Times New Roman"/>
+              </a:rPr>
+              <a:t> </a:t>
+            </a:r>
+            <a:r>
+              <a:rPr sz="2000" spc="-15" dirty="0">
+                <a:cs typeface="Times New Roman"/>
+              </a:rPr>
+              <a:t>v</a:t>
+            </a:r>
+            <a:r>
+              <a:rPr sz="2000" dirty="0">
+                <a:cs typeface="Times New Roman"/>
+              </a:rPr>
+              <a:t>alor</a:t>
+            </a:r>
+            <a:r>
+              <a:rPr sz="2000" spc="75" dirty="0">
+                <a:cs typeface="Times New Roman"/>
+              </a:rPr>
+              <a:t> </a:t>
+            </a:r>
+            <a:r>
+              <a:rPr sz="2000" spc="-15" dirty="0">
+                <a:cs typeface="Times New Roman"/>
+              </a:rPr>
+              <a:t>d</a:t>
+            </a:r>
+            <a:r>
+              <a:rPr sz="2000" dirty="0">
+                <a:cs typeface="Times New Roman"/>
+              </a:rPr>
+              <a:t>e</a:t>
+            </a:r>
+            <a:r>
+              <a:rPr sz="2000" spc="70" dirty="0">
+                <a:cs typeface="Times New Roman"/>
+              </a:rPr>
+              <a:t> </a:t>
+            </a:r>
+            <a:r>
+              <a:rPr sz="2000" dirty="0">
+                <a:cs typeface="Times New Roman"/>
+              </a:rPr>
+              <a:t>255</a:t>
+            </a:r>
+            <a:r>
+              <a:rPr sz="2000" spc="60" dirty="0">
+                <a:cs typeface="Times New Roman"/>
+              </a:rPr>
+              <a:t> </a:t>
+            </a:r>
+            <a:r>
+              <a:rPr sz="2000" dirty="0">
+                <a:cs typeface="Times New Roman"/>
+              </a:rPr>
+              <a:t>a los</a:t>
+            </a:r>
+            <a:r>
+              <a:rPr sz="2000" spc="-5" dirty="0">
+                <a:cs typeface="Times New Roman"/>
+              </a:rPr>
+              <a:t> </a:t>
+            </a:r>
+            <a:r>
+              <a:rPr lang="es-ES" sz="2000" spc="-5" dirty="0">
+                <a:cs typeface="Times New Roman"/>
+              </a:rPr>
+              <a:t>b</a:t>
+            </a:r>
+            <a:r>
+              <a:rPr sz="2000" dirty="0" err="1">
+                <a:cs typeface="Times New Roman"/>
+              </a:rPr>
+              <a:t>ytes</a:t>
+            </a:r>
+            <a:r>
+              <a:rPr sz="2000" dirty="0">
+                <a:cs typeface="Times New Roman"/>
+              </a:rPr>
+              <a:t> que</a:t>
             </a:r>
             <a:r>
               <a:rPr sz="2000" spc="-10" dirty="0">
                 <a:cs typeface="Times New Roman"/>
               </a:rPr>
-              <a:t>s</a:t>
+              <a:t> </a:t>
             </a:r>
             <a:r>
               <a:rPr sz="2000" dirty="0">
                 <a:cs typeface="Times New Roman"/>
               </a:rPr>
-              <a:t>ignar</a:t>
-            </a:r>
-            <a:r>
-              <a:rPr sz="2000" spc="70" dirty="0">
+              <a:t>se </a:t>
+            </a:r>
+            <a:r>
+              <a:rPr sz="2000" dirty="0" err="1">
                 <a:cs typeface="Times New Roman"/>
               </a:rPr>
+              <a:t>encuen</a:t>
+            </a:r>
+            <a:r>
+              <a:rPr sz="2000" spc="5" dirty="0" err="1">
+                <a:cs typeface="Times New Roman"/>
+              </a:rPr>
+              <a:t>t</a:t>
+            </a:r>
+            <a:r>
+              <a:rPr sz="2000" dirty="0" err="1">
+                <a:cs typeface="Times New Roman"/>
+              </a:rPr>
+              <a:t>ran</a:t>
+            </a:r>
+            <a:r>
+              <a:rPr sz="2000" spc="-25" dirty="0">
+                <a:cs typeface="Times New Roman"/>
+              </a:rPr>
               <a:t> </a:t>
+            </a:r>
+            <a:r>
+              <a:rPr sz="2000" dirty="0">
+                <a:cs typeface="Times New Roman"/>
+              </a:rPr>
+              <a:t>a</a:t>
             </a:r>
             <a:r>
               <a:rPr sz="2000" spc="-10" dirty="0">
                 <a:cs typeface="Times New Roman"/>
               </a:rPr>
-              <a:t>e</a:t>
+              <a:t> </a:t>
             </a:r>
             <a:r>
               <a:rPr sz="2000" dirty="0">
                 <a:cs typeface="Times New Roman"/>
               </a:rPr>
-              <a:t>l</a:t>
-            </a:r>
-            <a:r>
-              <a:rPr sz="2000" spc="60" dirty="0">
+              <a:t>la</a:t>
+            </a:r>
+            <a:r>
+              <a:rPr sz="2000" spc="-10" dirty="0">
                 <a:cs typeface="Times New Roman"/>
               </a:rPr>
               <a:t> </a:t>
+            </a:r>
+            <a:r>
+              <a:rPr sz="2000" dirty="0" err="1">
+                <a:cs typeface="Times New Roman"/>
+              </a:rPr>
+              <a:t>derecha</a:t>
             </a:r>
             <a:r>
               <a:rPr sz="2000" spc="-15" dirty="0">
                 <a:cs typeface="Times New Roman"/>
               </a:rPr>
-              <a:t>v</a:t>
+              <a:t> </a:t>
             </a:r>
             <a:r>
               <a:rPr sz="2000" dirty="0">
                 <a:cs typeface="Times New Roman"/>
               </a:rPr>
-              <a:t>alor</a:t>
-            </a:r>
-            <a:r>
-              <a:rPr sz="2000" spc="75" dirty="0">
+              <a:t>de</a:t>
+            </a:r>
+            <a:r>
+              <a:rPr sz="2000" spc="-10" dirty="0">
                 <a:cs typeface="Times New Roman"/>
               </a:rPr>
               <a:t> </a:t>
-            </a:r>
-            <a:r>
-              <a:rPr sz="2000" spc="-15" dirty="0">
-                <a:cs typeface="Times New Roman"/>
-              </a:rPr>
-              <a:t>d</a:t>
             </a:r>
             <a:r>
               <a:rPr sz="2000" dirty="0">
                 <a:cs typeface="Times New Roman"/>
               </a:rPr>
-              <a:t>e</a:t>
-            </a:r>
-            <a:r>
-              <a:rPr sz="2000" spc="70" dirty="0">
+              <a:t>los</a:t>
+            </a:r>
+            <a:r>
+              <a:rPr sz="2000" spc="5" dirty="0">
                 <a:cs typeface="Times New Roman"/>
               </a:rPr>
               <a:t> </a:t>
@@ -19828,214 +20013,138 @@
               <a:rPr sz="2000" dirty="0">
                 <a:cs typeface="Times New Roman"/>
               </a:rPr>
-              <a:t>255</a:t>
-            </a:r>
-            <a:r>
-              <a:rPr sz="2000" spc="60" dirty="0">
+              <a:t>de</a:t>
+            </a:r>
+            <a:r>
+              <a:rPr sz="2000" spc="-10" dirty="0">
                 <a:cs typeface="Times New Roman"/>
               </a:rPr>
               <a:t> </a:t>
+            </a:r>
+            <a:r>
+              <a:rPr sz="2000" dirty="0" err="1">
+                <a:cs typeface="Times New Roman"/>
+              </a:rPr>
+              <a:t>r</a:t>
+            </a:r>
+            <a:r>
+              <a:rPr sz="2000" spc="5" dirty="0" err="1">
+                <a:cs typeface="Times New Roman"/>
+              </a:rPr>
+              <a:t>e</a:t>
+            </a:r>
+            <a:r>
+              <a:rPr sz="2000" dirty="0" err="1">
+                <a:cs typeface="Times New Roman"/>
+              </a:rPr>
+              <a:t>s</a:t>
+            </a:r>
+            <a:r>
+              <a:rPr sz="2000" spc="5" dirty="0" err="1">
+                <a:cs typeface="Times New Roman"/>
+              </a:rPr>
+              <a:t>e</a:t>
+            </a:r>
+            <a:r>
+              <a:rPr sz="2000" dirty="0" err="1">
+                <a:cs typeface="Times New Roman"/>
+              </a:rPr>
+              <a:t>r</a:t>
+            </a:r>
+            <a:r>
+              <a:rPr sz="2000" spc="5" dirty="0" err="1">
+                <a:cs typeface="Times New Roman"/>
+              </a:rPr>
+              <a:t>v</a:t>
+            </a:r>
+            <a:r>
+              <a:rPr sz="2000" spc="-5" dirty="0" err="1">
+                <a:cs typeface="Times New Roman"/>
+              </a:rPr>
+              <a:t>a</a:t>
             </a:r>
             <a:r>
               <a:rPr sz="2000" dirty="0">
                 <a:cs typeface="Times New Roman"/>
               </a:rPr>
-              <a:t>a los</a:t>
-            </a:r>
-            <a:r>
-              <a:rPr sz="2000" spc="-5" dirty="0">
+              <a:t>.</a:t>
+            </a:r>
+          </a:p>
+        </p:txBody>
+      </p:sp>
+      <p:sp>
+        <p:nvSpPr>
+          <p:cNvPr id="5" name="Rectángulo 4">
+            <a:extLst>
+              <a:ext uri="{FF2B5EF4-FFF2-40B4-BE49-F238E27FC236}">
+                <a16:creationId xmlns:a16="http://schemas.microsoft.com/office/drawing/2014/main" id="{A102CBEE-F02E-4957-B590-6BC6FD09D189}"/>
+              </a:ext>
+            </a:extLst>
+          </p:cNvPr>
+          <p:cNvSpPr/>
+          <p:nvPr/>
+        </p:nvSpPr>
+        <p:spPr>
+          <a:xfrm>
+            <a:off x="688338" y="5843435"/>
+            <a:ext cx="7622540" cy="369332"/>
+          </a:xfrm>
+          <a:prstGeom prst="rect">
+            <a:avLst/>
+          </a:prstGeom>
+        </p:spPr>
+        <p:txBody>
+          <a:bodyPr wrap="square">
+            <a:spAutoFit/>
+          </a:bodyPr>
+          <a:lstStyle/>
+          <a:p>
+            <a:pPr marL="12700" marR="5080" algn="just">
+              <a:lnSpc>
+                <a:spcPct val="100000"/>
+              </a:lnSpc>
+            </a:pPr>
+            <a:r>
+              <a:rPr lang="es-ES" b="1" spc="-5" dirty="0">
                 <a:cs typeface="Times New Roman"/>
               </a:rPr>
-              <a:t> </a:t>
-            </a:r>
-            <a:r>
-              <a:rPr lang="es-ES" sz="2000" spc="-5" dirty="0">
+              <a:t>NOTA: </a:t>
+            </a:r>
+            <a:r>
+              <a:rPr lang="es-ES" spc="-5" dirty="0">
                 <a:cs typeface="Times New Roman"/>
               </a:rPr>
-              <a:t>b</a:t>
-            </a:r>
-            <a:r>
-              <a:rPr sz="2000" dirty="0" err="1">
-                <a:cs typeface="Times New Roman"/>
-              </a:rPr>
-              <a:t>ytes</a:t>
-            </a:r>
-            <a:r>
-              <a:rPr sz="2000" dirty="0">
-                <a:cs typeface="Times New Roman"/>
-              </a:rPr>
-              <a:t> que</a:t>
-            </a:r>
-            <a:r>
-              <a:rPr sz="2000" spc="-10" dirty="0">
-                <a:cs typeface="Times New Roman"/>
-              </a:rPr>
-              <a:t> </a:t>
-            </a:r>
-            <a:r>
-              <a:rPr sz="2000" dirty="0">
-                <a:cs typeface="Times New Roman"/>
-              </a:rPr>
-              <a:t>se encuen</a:t>
-            </a:r>
-            <a:r>
-              <a:rPr sz="2000" spc="5" dirty="0">
-                <a:cs typeface="Times New Roman"/>
-              </a:rPr>
-              <a:t>t</a:t>
-            </a:r>
-            <a:r>
-              <a:rPr sz="2000" dirty="0">
-                <a:cs typeface="Times New Roman"/>
-              </a:rPr>
-              <a:t>ran</a:t>
-            </a:r>
-            <a:r>
-              <a:rPr sz="2000" spc="-25" dirty="0">
-                <a:cs typeface="Times New Roman"/>
-              </a:rPr>
-              <a:t> </a:t>
-            </a:r>
-            <a:r>
-              <a:rPr sz="2000" dirty="0">
-                <a:cs typeface="Times New Roman"/>
-              </a:rPr>
-              <a:t>a</a:t>
-            </a:r>
-            <a:r>
-              <a:rPr sz="2000" spc="-10" dirty="0">
-                <a:cs typeface="Times New Roman"/>
-              </a:rPr>
-              <a:t> </a:t>
-            </a:r>
-            <a:r>
-              <a:rPr sz="2000" dirty="0">
-                <a:cs typeface="Times New Roman"/>
-              </a:rPr>
-              <a:t>la</a:t>
-            </a:r>
-            <a:r>
-              <a:rPr sz="2000" spc="-10" dirty="0">
-                <a:cs typeface="Times New Roman"/>
-              </a:rPr>
-              <a:t> </a:t>
-            </a:r>
-            <a:r>
-              <a:rPr sz="2000" dirty="0">
-                <a:cs typeface="Times New Roman"/>
-              </a:rPr>
-              <a:t>derecha</a:t>
-            </a:r>
-            <a:r>
-              <a:rPr sz="2000" spc="-15" dirty="0">
-                <a:cs typeface="Times New Roman"/>
-              </a:rPr>
-              <a:t> </a:t>
-            </a:r>
-            <a:r>
-              <a:rPr sz="2000" dirty="0">
-                <a:cs typeface="Times New Roman"/>
-              </a:rPr>
-              <a:t>de</a:t>
-            </a:r>
-            <a:r>
-              <a:rPr sz="2000" spc="-10" dirty="0">
-                <a:cs typeface="Times New Roman"/>
-              </a:rPr>
-              <a:t> </a:t>
-            </a:r>
-            <a:r>
-              <a:rPr sz="2000" dirty="0">
-                <a:cs typeface="Times New Roman"/>
-              </a:rPr>
-              <a:t>los</a:t>
-            </a:r>
-            <a:r>
-              <a:rPr sz="2000" spc="5" dirty="0">
-                <a:cs typeface="Times New Roman"/>
-              </a:rPr>
-              <a:t> </a:t>
-            </a:r>
-            <a:r>
-              <a:rPr sz="2000" dirty="0">
-                <a:cs typeface="Times New Roman"/>
-              </a:rPr>
-              <a:t>de</a:t>
-            </a:r>
-            <a:r>
-              <a:rPr sz="2000" spc="-10" dirty="0">
-                <a:cs typeface="Times New Roman"/>
-              </a:rPr>
-              <a:t> </a:t>
-            </a:r>
-            <a:r>
-              <a:rPr sz="2000" dirty="0">
-                <a:cs typeface="Times New Roman"/>
-              </a:rPr>
-              <a:t>r</a:t>
-            </a:r>
-            <a:r>
-              <a:rPr sz="2000" spc="5" dirty="0">
-                <a:cs typeface="Times New Roman"/>
-              </a:rPr>
-              <a:t>e</a:t>
-            </a:r>
-            <a:r>
-              <a:rPr sz="2000" dirty="0">
-                <a:cs typeface="Times New Roman"/>
-              </a:rPr>
-              <a:t>s</a:t>
-            </a:r>
-            <a:r>
-              <a:rPr sz="2000" spc="5" dirty="0">
-                <a:cs typeface="Times New Roman"/>
-              </a:rPr>
-              <a:t>e</a:t>
-            </a:r>
-            <a:r>
-              <a:rPr sz="2000" dirty="0">
-                <a:cs typeface="Times New Roman"/>
-              </a:rPr>
-              <a:t>r</a:t>
-            </a:r>
-            <a:r>
-              <a:rPr sz="2000" spc="5" dirty="0">
-                <a:cs typeface="Times New Roman"/>
-              </a:rPr>
-              <a:t>v</a:t>
-            </a:r>
-            <a:r>
-              <a:rPr sz="2000" spc="-5" dirty="0">
-                <a:cs typeface="Times New Roman"/>
-              </a:rPr>
-              <a:t>a</a:t>
-            </a:r>
-            <a:r>
-              <a:rPr sz="2000" dirty="0">
-                <a:cs typeface="Times New Roman"/>
-              </a:rPr>
-              <a:t>.</a:t>
-            </a:r>
+              <a:t>Identificar el valor de la red o clase (los bits de reserva se copian)</a:t>
+            </a:r>
+            <a:endParaRPr lang="es-ES" dirty="0">
+              <a:cs typeface="Times New Roman"/>
+            </a:endParaRPr>
           </a:p>
         </p:txBody>
       </p:sp>
       <p:graphicFrame>
         <p:nvGraphicFramePr>
-          <p:cNvPr id="4" name="object 4"/>
+          <p:cNvPr id="6" name="object 4">
+            <a:extLst>
+              <a:ext uri="{FF2B5EF4-FFF2-40B4-BE49-F238E27FC236}">
+                <a16:creationId xmlns:a16="http://schemas.microsoft.com/office/drawing/2014/main" id="{5E136725-7901-D30E-974F-5F12AA861D43}"/>
+              </a:ext>
+            </a:extLst>
+          </p:cNvPr>
           <p:cNvGraphicFramePr>
             <a:graphicFrameLocks noGrp="1"/>
           </p:cNvGraphicFramePr>
           <p:nvPr>
             <p:extLst>
               <p:ext uri="{D42A27DB-BD31-4B8C-83A1-F6EECF244321}">
-                <p14:modId xmlns:p14="http://schemas.microsoft.com/office/powerpoint/2010/main" val="2276366820"/>
+                <p14:modId xmlns:p14="http://schemas.microsoft.com/office/powerpoint/2010/main" val="148709386"/>
               </p:ext>
             </p:extLst>
           </p:nvPr>
         </p:nvGraphicFramePr>
         <p:xfrm>
-          <a:off x="1524000" y="2948019"/>
-          <a:ext cx="6096000" cy="2220848"/>
+          <a:off x="761655" y="2729813"/>
+          <a:ext cx="7700086" cy="2857244"/>
         </p:xfrm>
         <a:graphic>
           <a:graphicData uri="http://schemas.openxmlformats.org/drawingml/2006/table">
@@ -20044,22 +20153,36 @@
                 <a:tableStyleId>{2D5ABB26-0587-4C30-8999-92F81FD0307C}</a:tableStyleId>
               </a:tblPr>
               <a:tblGrid>
-                <a:gridCol w="2400935">
+                <a:gridCol w="1370845">
                   <a:extLst>
                     <a:ext uri="{9D8B030D-6E8A-4147-A177-3AD203B41FA5}">
                       <a16:colId xmlns:a16="http://schemas.microsoft.com/office/drawing/2014/main" val="20000"/>
                     </a:ext>
                   </a:extLst>
                 </a:gridCol>
-                <a:gridCol w="3695065">
+                <a:gridCol w="1005976">
                   <a:extLst>
                     <a:ext uri="{9D8B030D-6E8A-4147-A177-3AD203B41FA5}">
                       <a16:colId xmlns:a16="http://schemas.microsoft.com/office/drawing/2014/main" val="20001"/>
                     </a:ext>
                   </a:extLst>
                 </a:gridCol>
+                <a:gridCol w="2241375">
+                  <a:extLst>
+                    <a:ext uri="{9D8B030D-6E8A-4147-A177-3AD203B41FA5}">
+                      <a16:colId xmlns:a16="http://schemas.microsoft.com/office/drawing/2014/main" val="158281259"/>
+                    </a:ext>
+                  </a:extLst>
+                </a:gridCol>
+                <a:gridCol w="3081890">
+                  <a:extLst>
+                    <a:ext uri="{9D8B030D-6E8A-4147-A177-3AD203B41FA5}">
+                      <a16:colId xmlns:a16="http://schemas.microsoft.com/office/drawing/2014/main" val="2714721413"/>
+                    </a:ext>
+                  </a:extLst>
+                </a:gridCol>
               </a:tblGrid>
-              <a:tr h="378587">
+              <a:tr h="575043">
                 <a:tc>
                   <a:txBody>
                     <a:bodyPr/>
@@ -20183,11 +20306,14 @@
                       </a:solidFill>
                       <a:prstDash val="solid"/>
                     </a:lnL>
-                    <a:lnR w="12700">
+                    <a:lnR w="12700" cap="flat" cmpd="sng" algn="ctr">
                       <a:solidFill>
                         <a:srgbClr val="FFFFFF"/>
                       </a:solidFill>
                       <a:prstDash val="solid"/>
+                      <a:round/>
+                      <a:headEnd type="none" w="med" len="med"/>
+                      <a:tailEnd type="none" w="med" len="med"/>
                     </a:lnR>
                     <a:lnT w="12700">
                       <a:solidFill>
@@ -20200,6 +20326,134 @@
                         <a:srgbClr val="FFFFFF"/>
                       </a:solidFill>
                       <a:prstDash val="solid"/>
+                    </a:lnB>
+                    <a:solidFill>
+                      <a:schemeClr val="accent4">
+                        <a:lumMod val="75000"/>
+                      </a:schemeClr>
+                    </a:solidFill>
+                  </a:tcPr>
+                </a:tc>
+                <a:tc>
+                  <a:txBody>
+                    <a:bodyPr/>
+                    <a:lstStyle/>
+                    <a:p>
+                      <a:pPr marL="85090" algn="ctr">
+                        <a:lnSpc>
+                          <a:spcPct val="100000"/>
+                        </a:lnSpc>
+                      </a:pPr>
+                      <a:r>
+                        <a:rPr lang="es-MX" sz="1800" b="1" dirty="0">
+                          <a:solidFill>
+                            <a:srgbClr val="FFFFFF"/>
+                          </a:solidFill>
+                          <a:latin typeface="+mn-lt"/>
+                          <a:cs typeface="Times New Roman"/>
+                        </a:rPr>
+                        <a:t>Clase</a:t>
+                      </a:r>
+                      <a:endParaRPr sz="1800" dirty="0">
+                        <a:latin typeface="+mn-lt"/>
+                        <a:cs typeface="Times New Roman"/>
+                      </a:endParaRPr>
+                    </a:p>
+                  </a:txBody>
+                  <a:tcPr marL="0" marR="0" marT="0" marB="0" anchor="ctr">
+                    <a:lnL w="12700">
+                      <a:solidFill>
+                        <a:srgbClr val="FFFFFF"/>
+                      </a:solidFill>
+                      <a:prstDash val="solid"/>
+                    </a:lnL>
+                    <a:lnR w="12700" cap="flat" cmpd="sng" algn="ctr">
+                      <a:solidFill>
+                        <a:srgbClr val="FFFFFF"/>
+                      </a:solidFill>
+                      <a:prstDash val="solid"/>
+                      <a:round/>
+                      <a:headEnd type="none" w="med" len="med"/>
+                      <a:tailEnd type="none" w="med" len="med"/>
+                    </a:lnR>
+                    <a:lnT w="12700">
+                      <a:solidFill>
+                        <a:srgbClr val="FFFFFF"/>
+                      </a:solidFill>
+                      <a:prstDash val="solid"/>
+                    </a:lnT>
+                    <a:lnB w="38100">
+                      <a:solidFill>
+                        <a:srgbClr val="FFFFFF"/>
+                      </a:solidFill>
+                      <a:prstDash val="solid"/>
+                    </a:lnB>
+                    <a:solidFill>
+                      <a:schemeClr val="accent4">
+                        <a:lumMod val="75000"/>
+                      </a:schemeClr>
+                    </a:solidFill>
+                  </a:tcPr>
+                </a:tc>
+                <a:tc>
+                  <a:txBody>
+                    <a:bodyPr/>
+                    <a:lstStyle/>
+                    <a:p>
+                      <a:pPr marL="85090" algn="ctr">
+                        <a:lnSpc>
+                          <a:spcPct val="100000"/>
+                        </a:lnSpc>
+                      </a:pPr>
+                      <a:r>
+                        <a:rPr lang="es-MX" sz="1800" b="1" dirty="0">
+                          <a:solidFill>
+                            <a:srgbClr val="FFFFFF"/>
+                          </a:solidFill>
+                          <a:latin typeface="+mn-lt"/>
+                          <a:cs typeface="Times New Roman"/>
+                        </a:rPr>
+                        <a:t>Máscara de subred</a:t>
+                      </a:r>
+                      <a:endParaRPr sz="1800" dirty="0">
+                        <a:latin typeface="+mn-lt"/>
+                        <a:cs typeface="Times New Roman"/>
+                      </a:endParaRPr>
+                    </a:p>
+                  </a:txBody>
+                  <a:tcPr marL="0" marR="0" marT="0" marB="0" anchor="ctr">
+                    <a:lnL w="12700" cap="flat" cmpd="sng" algn="ctr">
+                      <a:solidFill>
+                        <a:srgbClr val="FFFFFF"/>
+                      </a:solidFill>
+                      <a:prstDash val="solid"/>
+                      <a:round/>
+                      <a:headEnd type="none" w="med" len="med"/>
+                      <a:tailEnd type="none" w="med" len="med"/>
+                    </a:lnL>
+                    <a:lnR w="12700" cap="flat" cmpd="sng" algn="ctr">
+                      <a:solidFill>
+                        <a:srgbClr val="FFFFFF"/>
+                      </a:solidFill>
+                      <a:prstDash val="solid"/>
+                      <a:round/>
+                      <a:headEnd type="none" w="med" len="med"/>
+                      <a:tailEnd type="none" w="med" len="med"/>
+                    </a:lnR>
+                    <a:lnT w="12700">
+                      <a:solidFill>
+                        <a:srgbClr val="FFFFFF"/>
+                      </a:solidFill>
+                      <a:prstDash val="solid"/>
+                    </a:lnT>
+                    <a:lnB w="38100" cap="flat" cmpd="sng" algn="ctr">
+                      <a:solidFill>
+                        <a:srgbClr val="FFFFFF"/>
+                      </a:solidFill>
+                      <a:prstDash val="solid"/>
+                      <a:round/>
+                      <a:headEnd type="none" w="med" len="med"/>
+                      <a:tailEnd type="none" w="med" len="med"/>
                     </a:lnB>
                     <a:solidFill>
                       <a:schemeClr val="accent4">
@@ -20295,11 +20549,14 @@
                     </a:p>
                   </a:txBody>
                   <a:tcPr marL="0" marR="0" marT="0" marB="0" anchor="ctr">
-                    <a:lnL w="12700">
+                    <a:lnL w="12700" cap="flat" cmpd="sng" algn="ctr">
                       <a:solidFill>
                         <a:srgbClr val="FFFFFF"/>
                       </a:solidFill>
                       <a:prstDash val="solid"/>
+                      <a:round/>
+                      <a:headEnd type="none" w="med" len="med"/>
+                      <a:tailEnd type="none" w="med" len="med"/>
                     </a:lnL>
                     <a:lnR w="12700">
                       <a:solidFill>
@@ -20313,11 +20570,14 @@
                       </a:solidFill>
                       <a:prstDash val="solid"/>
                     </a:lnT>
-                    <a:lnB w="38100">
+                    <a:lnB w="38100" cap="flat" cmpd="sng" algn="ctr">
                       <a:solidFill>
                         <a:srgbClr val="FFFFFF"/>
                       </a:solidFill>
                       <a:prstDash val="solid"/>
+                      <a:round/>
+                      <a:headEnd type="none" w="med" len="med"/>
+                      <a:tailEnd type="none" w="med" len="med"/>
                     </a:lnB>
                     <a:solidFill>
                       <a:schemeClr val="accent4">
@@ -20332,7 +20592,7 @@
                   </a:ext>
                 </a:extLst>
               </a:tr>
-              <a:tr h="358267">
+              <a:tr h="567948">
                 <a:tc>
                   <a:txBody>
                     <a:bodyPr/>
@@ -20359,11 +20619,14 @@
                       </a:solidFill>
                       <a:prstDash val="solid"/>
                     </a:lnL>
-                    <a:lnR w="12700">
+                    <a:lnR w="12700" cap="flat" cmpd="sng" algn="ctr">
                       <a:solidFill>
                         <a:srgbClr val="FFFFFF"/>
                       </a:solidFill>
                       <a:prstDash val="solid"/>
+                      <a:round/>
+                      <a:headEnd type="none" w="med" len="med"/>
+                      <a:tailEnd type="none" w="med" len="med"/>
                     </a:lnR>
                     <a:lnT w="38100">
                       <a:solidFill>
@@ -20405,21 +20668,11 @@
                         <a:defRPr/>
                       </a:pPr>
                       <a:r>
-                        <a:rPr lang="es-ES" sz="1800" b="1" dirty="0">
-                          <a:highlight>
-                            <a:srgbClr val="FFFF00"/>
-                          </a:highlight>
+                        <a:rPr lang="es-MX" sz="1800" dirty="0">
                           <a:latin typeface="+mn-lt"/>
                           <a:cs typeface="Times New Roman"/>
                         </a:rPr>
-                        <a:t>129.10</a:t>
-                      </a:r>
-                      <a:r>
-                        <a:rPr lang="es-ES" sz="1800" dirty="0">
-                          <a:latin typeface="+mn-lt"/>
-                          <a:cs typeface="Times New Roman"/>
-                        </a:rPr>
-                        <a:t>.255.255</a:t>
+                        <a:t>B</a:t>
                       </a:r>
                       <a:endParaRPr sz="1800" dirty="0">
                         <a:latin typeface="+mn-lt"/>
@@ -20434,11 +20687,14 @@
                       </a:solidFill>
                       <a:prstDash val="solid"/>
                     </a:lnL>
-                    <a:lnR w="12700">
+                    <a:lnR w="12700" cap="flat" cmpd="sng" algn="ctr">
                       <a:solidFill>
                         <a:srgbClr val="FFFFFF"/>
                       </a:solidFill>
                       <a:prstDash val="solid"/>
+                      <a:round/>
+                      <a:headEnd type="none" w="med" len="med"/>
+                      <a:tailEnd type="none" w="med" len="med"/>
                     </a:lnR>
                     <a:lnT w="38100">
                       <a:solidFill>
@@ -20451,6 +20707,167 @@
                         <a:srgbClr val="FFFFFF"/>
                       </a:solidFill>
                       <a:prstDash val="solid"/>
+                    </a:lnB>
+                    <a:solidFill>
+                      <a:srgbClr val="CDCDEB"/>
+                    </a:solidFill>
+                  </a:tcPr>
+                </a:tc>
+                <a:tc>
+                  <a:txBody>
+                    <a:bodyPr/>
+                    <a:lstStyle/>
+                    <a:p>
+                      <a:pPr marL="0" marR="0" lvl="0" indent="0" algn="ctr" defTabSz="914400" rtl="0" eaLnBrk="1" fontAlgn="auto" latinLnBrk="0" hangingPunct="1">
+                        <a:lnSpc>
+                          <a:spcPct val="100000"/>
+                        </a:lnSpc>
+                        <a:spcBef>
+                          <a:spcPts val="0"/>
+                        </a:spcBef>
+                        <a:spcAft>
+                          <a:spcPts val="0"/>
+                        </a:spcAft>
+                        <a:buClrTx/>
+                        <a:buSzTx/>
+                        <a:buFontTx/>
+                        <a:buNone/>
+                        <a:tabLst/>
+                        <a:defRPr/>
+                      </a:pPr>
+                      <a:r>
+                        <a:rPr lang="es-MX" sz="1800" dirty="0">
+                          <a:latin typeface="+mn-lt"/>
+                          <a:cs typeface="Times New Roman"/>
+                        </a:rPr>
+                        <a:t>255.255.0.0</a:t>
+                      </a:r>
+                      <a:endParaRPr sz="1800" dirty="0">
+                        <a:latin typeface="+mn-lt"/>
+                        <a:cs typeface="Times New Roman"/>
+                      </a:endParaRPr>
+                    </a:p>
+                  </a:txBody>
+                  <a:tcPr marL="0" marR="0" marT="0" marB="0" anchor="ctr">
+                    <a:lnL w="12700" cap="flat" cmpd="sng" algn="ctr">
+                      <a:solidFill>
+                        <a:srgbClr val="FFFFFF"/>
+                      </a:solidFill>
+                      <a:prstDash val="solid"/>
+                      <a:round/>
+                      <a:headEnd type="none" w="med" len="med"/>
+                      <a:tailEnd type="none" w="med" len="med"/>
+                    </a:lnL>
+                    <a:lnR w="12700" cap="flat" cmpd="sng" algn="ctr">
+                      <a:solidFill>
+                        <a:srgbClr val="FFFFFF"/>
+                      </a:solidFill>
+                      <a:prstDash val="solid"/>
+                      <a:round/>
+                      <a:headEnd type="none" w="med" len="med"/>
+                      <a:tailEnd type="none" w="med" len="med"/>
+                    </a:lnR>
+                    <a:lnT w="38100" cap="flat" cmpd="sng" algn="ctr">
+                      <a:solidFill>
+                        <a:srgbClr val="FFFFFF"/>
+                      </a:solidFill>
+                      <a:prstDash val="solid"/>
+                      <a:round/>
+                      <a:headEnd type="none" w="med" len="med"/>
+                      <a:tailEnd type="none" w="med" len="med"/>
+                    </a:lnT>
+                    <a:lnB w="12700" cap="flat" cmpd="sng" algn="ctr">
+                      <a:solidFill>
+                        <a:srgbClr val="FFFFFF"/>
+                      </a:solidFill>
+                      <a:prstDash val="solid"/>
+                      <a:round/>
+                      <a:headEnd type="none" w="med" len="med"/>
+                      <a:tailEnd type="none" w="med" len="med"/>
+                    </a:lnB>
+                    <a:solidFill>
+                      <a:srgbClr val="CDCDEB"/>
+                    </a:solidFill>
+                  </a:tcPr>
+                </a:tc>
+                <a:tc>
+                  <a:txBody>
+                    <a:bodyPr/>
+                    <a:lstStyle/>
+                    <a:p>
+                      <a:pPr marL="0" marR="0" lvl="0" indent="0" algn="ctr" defTabSz="914400" rtl="0" eaLnBrk="1" fontAlgn="auto" latinLnBrk="0" hangingPunct="1">
+                        <a:lnSpc>
+                          <a:spcPct val="100000"/>
+                        </a:lnSpc>
+                        <a:spcBef>
+                          <a:spcPts val="0"/>
+                        </a:spcBef>
+                        <a:spcAft>
+                          <a:spcPts val="0"/>
+                        </a:spcAft>
+                        <a:buClrTx/>
+                        <a:buSzTx/>
+                        <a:buFontTx/>
+                        <a:buNone/>
+                        <a:tabLst/>
+                        <a:defRPr/>
+                      </a:pPr>
+                      <a:r>
+                        <a:rPr lang="es-MX" sz="1800" b="1" dirty="0">
+                          <a:highlight>
+                            <a:srgbClr val="FFFF00"/>
+                          </a:highlight>
+                          <a:latin typeface="+mn-lt"/>
+                          <a:cs typeface="Times New Roman"/>
+                        </a:rPr>
+                        <a:t>129.10.</a:t>
+                      </a:r>
+                      <a:r>
+                        <a:rPr lang="es-MX" sz="1800" dirty="0">
+                          <a:latin typeface="+mn-lt"/>
+                          <a:cs typeface="Times New Roman"/>
+                        </a:rPr>
+                        <a:t>255.255</a:t>
+                      </a:r>
+                      <a:endParaRPr sz="1800" dirty="0">
+                        <a:latin typeface="+mn-lt"/>
+                        <a:cs typeface="Times New Roman"/>
+                      </a:endParaRPr>
+                    </a:p>
+                  </a:txBody>
+                  <a:tcPr marL="0" marR="0" marT="0" marB="0" anchor="ctr">
+                    <a:lnL w="12700" cap="flat" cmpd="sng" algn="ctr">
+                      <a:solidFill>
+                        <a:srgbClr val="FFFFFF"/>
+                      </a:solidFill>
+                      <a:prstDash val="solid"/>
+                      <a:round/>
+                      <a:headEnd type="none" w="med" len="med"/>
+                      <a:tailEnd type="none" w="med" len="med"/>
+                    </a:lnL>
+                    <a:lnR w="12700">
+                      <a:solidFill>
+                        <a:srgbClr val="FFFFFF"/>
+                      </a:solidFill>
+                      <a:prstDash val="solid"/>
+                    </a:lnR>
+                    <a:lnT w="38100" cap="flat" cmpd="sng" algn="ctr">
+                      <a:solidFill>
+                        <a:srgbClr val="FFFFFF"/>
+                      </a:solidFill>
+                      <a:prstDash val="solid"/>
+                      <a:round/>
+                      <a:headEnd type="none" w="med" len="med"/>
+                      <a:tailEnd type="none" w="med" len="med"/>
+                    </a:lnT>
+                    <a:lnB w="12700" cap="flat" cmpd="sng" algn="ctr">
+                      <a:solidFill>
+                        <a:srgbClr val="FFFFFF"/>
+                      </a:solidFill>
+                      <a:prstDash val="solid"/>
+                      <a:round/>
+                      <a:headEnd type="none" w="med" len="med"/>
+                      <a:tailEnd type="none" w="med" len="med"/>
                     </a:lnB>
                     <a:solidFill>
                       <a:srgbClr val="CDCDEB"/>
@@ -20463,7 +20880,7 @@
                   </a:ext>
                 </a:extLst>
               </a:tr>
-              <a:tr h="370967">
+              <a:tr h="417764">
                 <a:tc>
                   <a:txBody>
                     <a:bodyPr/>
@@ -20518,11 +20935,14 @@
                       </a:solidFill>
                       <a:prstDash val="solid"/>
                     </a:lnL>
-                    <a:lnR w="12700">
+                    <a:lnR w="12700" cap="flat" cmpd="sng" algn="ctr">
                       <a:solidFill>
                         <a:srgbClr val="FFFFFF"/>
                       </a:solidFill>
                       <a:prstDash val="solid"/>
+                      <a:round/>
+                      <a:headEnd type="none" w="med" len="med"/>
+                      <a:tailEnd type="none" w="med" len="med"/>
                     </a:lnR>
                     <a:lnT w="12700">
                       <a:solidFill>
@@ -20535,6 +20955,151 @@
                         <a:srgbClr val="FFFFFF"/>
                       </a:solidFill>
                       <a:prstDash val="solid"/>
+                    </a:lnB>
+                    <a:solidFill>
+                      <a:srgbClr val="E8E8F6"/>
+                    </a:solidFill>
+                  </a:tcPr>
+                </a:tc>
+                <a:tc>
+                  <a:txBody>
+                    <a:bodyPr/>
+                    <a:lstStyle/>
+                    <a:p>
+                      <a:pPr marL="0" marR="0" lvl="0" indent="0" algn="ctr" defTabSz="914400" rtl="0" eaLnBrk="1" fontAlgn="auto" latinLnBrk="0" hangingPunct="1">
+                        <a:lnSpc>
+                          <a:spcPct val="100000"/>
+                        </a:lnSpc>
+                        <a:spcBef>
+                          <a:spcPts val="0"/>
+                        </a:spcBef>
+                        <a:spcAft>
+                          <a:spcPts val="0"/>
+                        </a:spcAft>
+                        <a:buClrTx/>
+                        <a:buSzTx/>
+                        <a:buFontTx/>
+                        <a:buNone/>
+                        <a:tabLst/>
+                        <a:defRPr/>
+                      </a:pPr>
+                      <a:r>
+                        <a:rPr lang="es-MX" sz="1800" dirty="0">
+                          <a:latin typeface="+mn-lt"/>
+                          <a:cs typeface="Times New Roman"/>
+                        </a:rPr>
+                        <a:t>A</a:t>
+                      </a:r>
+                      <a:endParaRPr sz="1800" dirty="0">
+                        <a:latin typeface="+mn-lt"/>
+                        <a:cs typeface="Times New Roman"/>
+                      </a:endParaRPr>
+                    </a:p>
+                  </a:txBody>
+                  <a:tcPr marL="0" marR="0" marT="0" marB="0" anchor="ctr">
+                    <a:lnL w="12700">
+                      <a:solidFill>
+                        <a:srgbClr val="FFFFFF"/>
+                      </a:solidFill>
+                      <a:prstDash val="solid"/>
+                    </a:lnL>
+                    <a:lnR w="12700" cap="flat" cmpd="sng" algn="ctr">
+                      <a:solidFill>
+                        <a:srgbClr val="FFFFFF"/>
+                      </a:solidFill>
+                      <a:prstDash val="solid"/>
+                      <a:round/>
+                      <a:headEnd type="none" w="med" len="med"/>
+                      <a:tailEnd type="none" w="med" len="med"/>
+                    </a:lnR>
+                    <a:lnT w="12700">
+                      <a:solidFill>
+                        <a:srgbClr val="FFFFFF"/>
+                      </a:solidFill>
+                      <a:prstDash val="solid"/>
+                    </a:lnT>
+                    <a:lnB w="12700">
+                      <a:solidFill>
+                        <a:srgbClr val="FFFFFF"/>
+                      </a:solidFill>
+                      <a:prstDash val="solid"/>
+                    </a:lnB>
+                    <a:solidFill>
+                      <a:srgbClr val="E8E8F6"/>
+                    </a:solidFill>
+                  </a:tcPr>
+                </a:tc>
+                <a:tc>
+                  <a:txBody>
+                    <a:bodyPr/>
+                    <a:lstStyle/>
+                    <a:p>
+                      <a:pPr marL="0" marR="0" lvl="0" indent="0" algn="ctr" defTabSz="914400" rtl="0" eaLnBrk="1" fontAlgn="auto" latinLnBrk="0" hangingPunct="1">
+                        <a:lnSpc>
+                          <a:spcPct val="100000"/>
+                        </a:lnSpc>
+                        <a:spcBef>
+                          <a:spcPts val="0"/>
+                        </a:spcBef>
+                        <a:spcAft>
+                          <a:spcPts val="0"/>
+                        </a:spcAft>
+                        <a:buClrTx/>
+                        <a:buSzTx/>
+                        <a:buFontTx/>
+                        <a:buNone/>
+                        <a:tabLst/>
+                        <a:defRPr/>
+                      </a:pPr>
+                      <a:r>
+                        <a:rPr lang="es-MX" sz="1800" dirty="0">
+                          <a:latin typeface="+mn-lt"/>
+                          <a:cs typeface="Times New Roman"/>
+                        </a:rPr>
+                        <a:t>255.0.0.0</a:t>
+                      </a:r>
+                      <a:endParaRPr sz="1800" dirty="0">
+                        <a:latin typeface="+mn-lt"/>
+                        <a:cs typeface="Times New Roman"/>
+                      </a:endParaRPr>
+                    </a:p>
+                  </a:txBody>
+                  <a:tcPr marL="0" marR="0" marT="0" marB="0" anchor="ctr">
+                    <a:lnL w="12700" cap="flat" cmpd="sng" algn="ctr">
+                      <a:solidFill>
+                        <a:srgbClr val="FFFFFF"/>
+                      </a:solidFill>
+                      <a:prstDash val="solid"/>
+                      <a:round/>
+                      <a:headEnd type="none" w="med" len="med"/>
+                      <a:tailEnd type="none" w="med" len="med"/>
+                    </a:lnL>
+                    <a:lnR w="12700" cap="flat" cmpd="sng" algn="ctr">
+                      <a:solidFill>
+                        <a:srgbClr val="FFFFFF"/>
+                      </a:solidFill>
+                      <a:prstDash val="solid"/>
+                      <a:round/>
+                      <a:headEnd type="none" w="med" len="med"/>
+                      <a:tailEnd type="none" w="med" len="med"/>
+                    </a:lnR>
+                    <a:lnT w="12700" cap="flat" cmpd="sng" algn="ctr">
+                      <a:solidFill>
+                        <a:srgbClr val="FFFFFF"/>
+                      </a:solidFill>
+                      <a:prstDash val="solid"/>
+                      <a:round/>
+                      <a:headEnd type="none" w="med" len="med"/>
+                      <a:tailEnd type="none" w="med" len="med"/>
+                    </a:lnT>
+                    <a:lnB w="12700" cap="flat" cmpd="sng" algn="ctr">
+                      <a:solidFill>
+                        <a:srgbClr val="FFFFFF"/>
+                      </a:solidFill>
+                      <a:prstDash val="solid"/>
+                      <a:round/>
+                      <a:headEnd type="none" w="med" len="med"/>
+                      <a:tailEnd type="none" w="med" len="med"/>
                     </a:lnB>
                     <a:solidFill>
                       <a:srgbClr val="E8E8F6"/>
@@ -20571,35 +21136,14 @@
                           <a:latin typeface="+mn-lt"/>
                           <a:cs typeface="Times New Roman"/>
                         </a:rPr>
-                        <a:t>68</a:t>
+                        <a:t>68.</a:t>
                       </a:r>
                       <a:r>
-                        <a:rPr lang="es-MX" sz="1800" b="1" dirty="0">
+                        <a:rPr lang="es-MX" sz="1800" dirty="0">
                           <a:latin typeface="+mn-lt"/>
                           <a:cs typeface="Times New Roman"/>
                         </a:rPr>
-                        <a:t>. 255.</a:t>
-                      </a:r>
-                      <a:r>
-                        <a:rPr lang="es-MX" sz="1800" b="1" spc="-5" dirty="0">
-                          <a:latin typeface="+mn-lt"/>
-                          <a:cs typeface="Times New Roman"/>
-                        </a:rPr>
-                        <a:t> 255</a:t>
-                      </a:r>
-                      <a:r>
-                        <a:rPr lang="es-MX" sz="1800" b="1" dirty="0">
-                          <a:latin typeface="+mn-lt"/>
-                          <a:cs typeface="Times New Roman"/>
-                        </a:rPr>
-                        <a:t>.</a:t>
-                      </a:r>
-                      <a:r>
-                        <a:rPr lang="es-MX" sz="1800" b="1" spc="-5" dirty="0">
-                          <a:latin typeface="+mn-lt"/>
-                          <a:cs typeface="Times New Roman"/>
-                        </a:rPr>
-                        <a:t> 255</a:t>
+                        <a:t>255.255.255</a:t>
                       </a:r>
                       <a:endParaRPr sz="1800" dirty="0">
                         <a:latin typeface="+mn-lt"/>
@@ -20608,11 +21152,14 @@
                     </a:p>
                   </a:txBody>
                   <a:tcPr marL="0" marR="0" marT="0" marB="0" anchor="ctr">
-                    <a:lnL w="12700">
+                    <a:lnL w="12700" cap="flat" cmpd="sng" algn="ctr">
                       <a:solidFill>
                         <a:srgbClr val="FFFFFF"/>
                       </a:solidFill>
                       <a:prstDash val="solid"/>
+                      <a:round/>
+                      <a:headEnd type="none" w="med" len="med"/>
+                      <a:tailEnd type="none" w="med" len="med"/>
                     </a:lnL>
                     <a:lnR w="12700">
                       <a:solidFill>
@@ -20620,17 +21167,23 @@
                       </a:solidFill>
                       <a:prstDash val="solid"/>
                     </a:lnR>
-                    <a:lnT w="12700">
+                    <a:lnT w="12700" cap="flat" cmpd="sng" algn="ctr">
                       <a:solidFill>
                         <a:srgbClr val="FFFFFF"/>
                       </a:solidFill>
                       <a:prstDash val="solid"/>
+                      <a:round/>
+                      <a:headEnd type="none" w="med" len="med"/>
+                      <a:tailEnd type="none" w="med" len="med"/>
                     </a:lnT>
-                    <a:lnB w="12700">
+                    <a:lnB w="12700" cap="flat" cmpd="sng" algn="ctr">
                       <a:solidFill>
                         <a:srgbClr val="FFFFFF"/>
                       </a:solidFill>
                       <a:prstDash val="solid"/>
+                      <a:round/>
+                      <a:headEnd type="none" w="med" len="med"/>
+                      <a:tailEnd type="none" w="med" len="med"/>
                     </a:lnB>
                     <a:solidFill>
                       <a:srgbClr val="E8E8F6"/>
@@ -20643,7 +21196,7 @@
                   </a:ext>
                 </a:extLst>
               </a:tr>
-              <a:tr h="370966">
+              <a:tr h="528313">
                 <a:tc>
                   <a:txBody>
                     <a:bodyPr/>
@@ -20712,11 +21265,14 @@
                       </a:solidFill>
                       <a:prstDash val="solid"/>
                     </a:lnL>
-                    <a:lnR w="12700">
+                    <a:lnR w="12700" cap="flat" cmpd="sng" algn="ctr">
                       <a:solidFill>
                         <a:srgbClr val="FFFFFF"/>
                       </a:solidFill>
                       <a:prstDash val="solid"/>
+                      <a:round/>
+                      <a:headEnd type="none" w="med" len="med"/>
+                      <a:tailEnd type="none" w="med" len="med"/>
                     </a:lnR>
                     <a:lnT w="12700">
                       <a:solidFill>
@@ -20754,11 +21310,14 @@
                       </a:solidFill>
                       <a:prstDash val="solid"/>
                     </a:lnL>
-                    <a:lnR w="12700">
+                    <a:lnR w="12700" cap="flat" cmpd="sng" algn="ctr">
                       <a:solidFill>
                         <a:srgbClr val="FFFFFF"/>
                       </a:solidFill>
                       <a:prstDash val="solid"/>
+                      <a:round/>
+                      <a:headEnd type="none" w="med" len="med"/>
+                      <a:tailEnd type="none" w="med" len="med"/>
                     </a:lnR>
                     <a:lnT w="12700">
                       <a:solidFill>
@@ -20771,6 +21330,111 @@
                         <a:srgbClr val="FFFFFF"/>
                       </a:solidFill>
                       <a:prstDash val="solid"/>
+                    </a:lnB>
+                    <a:solidFill>
+                      <a:srgbClr val="CDCDEB"/>
+                    </a:solidFill>
+                  </a:tcPr>
+                </a:tc>
+                <a:tc>
+                  <a:txBody>
+                    <a:bodyPr/>
+                    <a:lstStyle/>
+                    <a:p>
+                      <a:pPr algn="ctr"/>
+                      <a:endParaRPr sz="1800" dirty="0">
+                        <a:latin typeface="+mn-lt"/>
+                        <a:cs typeface="Times New Roman"/>
+                      </a:endParaRPr>
+                    </a:p>
+                  </a:txBody>
+                  <a:tcPr marL="0" marR="0" marT="0" marB="0" anchor="ctr">
+                    <a:lnL w="12700" cap="flat" cmpd="sng" algn="ctr">
+                      <a:solidFill>
+                        <a:srgbClr val="FFFFFF"/>
+                      </a:solidFill>
+                      <a:prstDash val="solid"/>
+                      <a:round/>
+                      <a:headEnd type="none" w="med" len="med"/>
+                      <a:tailEnd type="none" w="med" len="med"/>
+                    </a:lnL>
+                    <a:lnR w="12700" cap="flat" cmpd="sng" algn="ctr">
+                      <a:solidFill>
+                        <a:srgbClr val="FFFFFF"/>
+                      </a:solidFill>
+                      <a:prstDash val="solid"/>
+                      <a:round/>
+                      <a:headEnd type="none" w="med" len="med"/>
+                      <a:tailEnd type="none" w="med" len="med"/>
+                    </a:lnR>
+                    <a:lnT w="12700" cap="flat" cmpd="sng" algn="ctr">
+                      <a:solidFill>
+                        <a:srgbClr val="FFFFFF"/>
+                      </a:solidFill>
+                      <a:prstDash val="solid"/>
+                      <a:round/>
+                      <a:headEnd type="none" w="med" len="med"/>
+                      <a:tailEnd type="none" w="med" len="med"/>
+                    </a:lnT>
+                    <a:lnB w="12700" cap="flat" cmpd="sng" algn="ctr">
+                      <a:solidFill>
+                        <a:srgbClr val="FFFFFF"/>
+                      </a:solidFill>
+                      <a:prstDash val="solid"/>
+                      <a:round/>
+                      <a:headEnd type="none" w="med" len="med"/>
+                      <a:tailEnd type="none" w="med" len="med"/>
+                    </a:lnB>
+                    <a:solidFill>
+                      <a:srgbClr val="CDCDEB"/>
+                    </a:solidFill>
+                  </a:tcPr>
+                </a:tc>
+                <a:tc>
+                  <a:txBody>
+                    <a:bodyPr/>
+                    <a:lstStyle/>
+                    <a:p>
+                      <a:pPr algn="ctr"/>
+                      <a:endParaRPr sz="1800" dirty="0">
+                        <a:latin typeface="+mn-lt"/>
+                        <a:cs typeface="Times New Roman"/>
+                      </a:endParaRPr>
+                    </a:p>
+                  </a:txBody>
+                  <a:tcPr marL="0" marR="0" marT="0" marB="0" anchor="ctr">
+                    <a:lnL w="12700" cap="flat" cmpd="sng" algn="ctr">
+                      <a:solidFill>
+                        <a:srgbClr val="FFFFFF"/>
+                      </a:solidFill>
+                      <a:prstDash val="solid"/>
+                      <a:round/>
+                      <a:headEnd type="none" w="med" len="med"/>
+                      <a:tailEnd type="none" w="med" len="med"/>
+                    </a:lnL>
+                    <a:lnR w="12700">
+                      <a:solidFill>
+                        <a:srgbClr val="FFFFFF"/>
+                      </a:solidFill>
+                      <a:prstDash val="solid"/>
+                    </a:lnR>
+                    <a:lnT w="12700" cap="flat" cmpd="sng" algn="ctr">
+                      <a:solidFill>
+                        <a:srgbClr val="FFFFFF"/>
+                      </a:solidFill>
+                      <a:prstDash val="solid"/>
+                      <a:round/>
+                      <a:headEnd type="none" w="med" len="med"/>
+                      <a:tailEnd type="none" w="med" len="med"/>
+                    </a:lnT>
+                    <a:lnB w="12700" cap="flat" cmpd="sng" algn="ctr">
+                      <a:solidFill>
+                        <a:srgbClr val="FFFFFF"/>
+                      </a:solidFill>
+                      <a:prstDash val="solid"/>
+                      <a:round/>
+                      <a:headEnd type="none" w="med" len="med"/>
+                      <a:tailEnd type="none" w="med" len="med"/>
                     </a:lnB>
                     <a:solidFill>
                       <a:srgbClr val="CDCDEB"/>
@@ -20783,7 +21447,7 @@
                   </a:ext>
                 </a:extLst>
               </a:tr>
-              <a:tr h="371094">
+              <a:tr h="384153">
                 <a:tc>
                   <a:txBody>
                     <a:bodyPr/>
@@ -20810,11 +21474,14 @@
                       </a:solidFill>
                       <a:prstDash val="solid"/>
                     </a:lnL>
-                    <a:lnR w="12700">
+                    <a:lnR w="12700" cap="flat" cmpd="sng" algn="ctr">
                       <a:solidFill>
                         <a:srgbClr val="FFFFFF"/>
                       </a:solidFill>
                       <a:prstDash val="solid"/>
+                      <a:round/>
+                      <a:headEnd type="none" w="med" len="med"/>
+                      <a:tailEnd type="none" w="med" len="med"/>
                     </a:lnR>
                     <a:lnT w="12700">
                       <a:solidFill>
@@ -20852,11 +21519,14 @@
                       </a:solidFill>
                       <a:prstDash val="solid"/>
                     </a:lnL>
-                    <a:lnR w="12700">
+                    <a:lnR w="12700" cap="flat" cmpd="sng" algn="ctr">
                       <a:solidFill>
                         <a:srgbClr val="FFFFFF"/>
                       </a:solidFill>
                       <a:prstDash val="solid"/>
+                      <a:round/>
+                      <a:headEnd type="none" w="med" len="med"/>
+                      <a:tailEnd type="none" w="med" len="med"/>
                     </a:lnR>
                     <a:lnT w="12700">
                       <a:solidFill>
@@ -20869,6 +21539,111 @@
                         <a:srgbClr val="FFFFFF"/>
                       </a:solidFill>
                       <a:prstDash val="solid"/>
+                    </a:lnB>
+                    <a:solidFill>
+                      <a:srgbClr val="E8E8F6"/>
+                    </a:solidFill>
+                  </a:tcPr>
+                </a:tc>
+                <a:tc>
+                  <a:txBody>
+                    <a:bodyPr/>
+                    <a:lstStyle/>
+                    <a:p>
+                      <a:pPr algn="ctr"/>
+                      <a:endParaRPr sz="1800" dirty="0">
+                        <a:latin typeface="+mn-lt"/>
+                        <a:cs typeface="Times New Roman"/>
+                      </a:endParaRPr>
+                    </a:p>
+                  </a:txBody>
+                  <a:tcPr marL="0" marR="0" marT="0" marB="0" anchor="ctr">
+                    <a:lnL w="12700" cap="flat" cmpd="sng" algn="ctr">
+                      <a:solidFill>
+                        <a:srgbClr val="FFFFFF"/>
+                      </a:solidFill>
+                      <a:prstDash val="solid"/>
+                      <a:round/>
+                      <a:headEnd type="none" w="med" len="med"/>
+                      <a:tailEnd type="none" w="med" len="med"/>
+                    </a:lnL>
+                    <a:lnR w="12700" cap="flat" cmpd="sng" algn="ctr">
+                      <a:solidFill>
+                        <a:srgbClr val="FFFFFF"/>
+                      </a:solidFill>
+                      <a:prstDash val="solid"/>
+                      <a:round/>
+                      <a:headEnd type="none" w="med" len="med"/>
+                      <a:tailEnd type="none" w="med" len="med"/>
+                    </a:lnR>
+                    <a:lnT w="12700" cap="flat" cmpd="sng" algn="ctr">
+                      <a:solidFill>
+                        <a:srgbClr val="FFFFFF"/>
+                      </a:solidFill>
+                      <a:prstDash val="solid"/>
+                      <a:round/>
+                      <a:headEnd type="none" w="med" len="med"/>
+                      <a:tailEnd type="none" w="med" len="med"/>
+                    </a:lnT>
+                    <a:lnB w="12700" cap="flat" cmpd="sng" algn="ctr">
+                      <a:solidFill>
+                        <a:srgbClr val="FFFFFF"/>
+                      </a:solidFill>
+                      <a:prstDash val="solid"/>
+                      <a:round/>
+                      <a:headEnd type="none" w="med" len="med"/>
+                      <a:tailEnd type="none" w="med" len="med"/>
+                    </a:lnB>
+                    <a:solidFill>
+                      <a:srgbClr val="E8E8F6"/>
+                    </a:solidFill>
+                  </a:tcPr>
+                </a:tc>
+                <a:tc>
+                  <a:txBody>
+                    <a:bodyPr/>
+                    <a:lstStyle/>
+                    <a:p>
+                      <a:pPr algn="ctr"/>
+                      <a:endParaRPr sz="1800" dirty="0">
+                        <a:latin typeface="+mn-lt"/>
+                        <a:cs typeface="Times New Roman"/>
+                      </a:endParaRPr>
+                    </a:p>
+                  </a:txBody>
+                  <a:tcPr marL="0" marR="0" marT="0" marB="0" anchor="ctr">
+                    <a:lnL w="12700" cap="flat" cmpd="sng" algn="ctr">
+                      <a:solidFill>
+                        <a:srgbClr val="FFFFFF"/>
+                      </a:solidFill>
+                      <a:prstDash val="solid"/>
+                      <a:round/>
+                      <a:headEnd type="none" w="med" len="med"/>
+                      <a:tailEnd type="none" w="med" len="med"/>
+                    </a:lnL>
+                    <a:lnR w="12700">
+                      <a:solidFill>
+                        <a:srgbClr val="FFFFFF"/>
+                      </a:solidFill>
+                      <a:prstDash val="solid"/>
+                    </a:lnR>
+                    <a:lnT w="12700" cap="flat" cmpd="sng" algn="ctr">
+                      <a:solidFill>
+                        <a:srgbClr val="FFFFFF"/>
+                      </a:solidFill>
+                      <a:prstDash val="solid"/>
+                      <a:round/>
+                      <a:headEnd type="none" w="med" len="med"/>
+                      <a:tailEnd type="none" w="med" len="med"/>
+                    </a:lnT>
+                    <a:lnB w="12700" cap="flat" cmpd="sng" algn="ctr">
+                      <a:solidFill>
+                        <a:srgbClr val="FFFFFF"/>
+                      </a:solidFill>
+                      <a:prstDash val="solid"/>
+                      <a:round/>
+                      <a:headEnd type="none" w="med" len="med"/>
+                      <a:tailEnd type="none" w="med" len="med"/>
                     </a:lnB>
                     <a:solidFill>
                       <a:srgbClr val="E8E8F6"/>
@@ -20881,7 +21656,7 @@
                   </a:ext>
                 </a:extLst>
               </a:tr>
-              <a:tr h="370967">
+              <a:tr h="384023">
                 <a:tc>
                   <a:txBody>
                     <a:bodyPr/>
@@ -20950,11 +21725,14 @@
                       </a:solidFill>
                       <a:prstDash val="solid"/>
                     </a:lnL>
-                    <a:lnR w="12700">
+                    <a:lnR w="12700" cap="flat" cmpd="sng" algn="ctr">
                       <a:solidFill>
                         <a:srgbClr val="FFFFFF"/>
                       </a:solidFill>
                       <a:prstDash val="solid"/>
+                      <a:round/>
+                      <a:headEnd type="none" w="med" len="med"/>
+                      <a:tailEnd type="none" w="med" len="med"/>
                     </a:lnR>
                     <a:lnT w="12700">
                       <a:solidFill>
@@ -20992,17 +21770,119 @@
                       </a:solidFill>
                       <a:prstDash val="solid"/>
                     </a:lnL>
-                    <a:lnR w="12700">
+                    <a:lnR w="12700" cap="flat" cmpd="sng" algn="ctr">
                       <a:solidFill>
                         <a:srgbClr val="FFFFFF"/>
                       </a:solidFill>
                       <a:prstDash val="solid"/>
+                      <a:round/>
+                      <a:headEnd type="none" w="med" len="med"/>
+                      <a:tailEnd type="none" w="med" len="med"/>
                     </a:lnR>
                     <a:lnT w="12700">
                       <a:solidFill>
                         <a:srgbClr val="FFFFFF"/>
                       </a:solidFill>
                       <a:prstDash val="solid"/>
+                    </a:lnT>
+                    <a:lnB w="12700">
+                      <a:solidFill>
+                        <a:srgbClr val="FFFFFF"/>
+                      </a:solidFill>
+                      <a:prstDash val="solid"/>
+                    </a:lnB>
+                    <a:solidFill>
+                      <a:srgbClr val="CDCDEB"/>
+                    </a:solidFill>
+                  </a:tcPr>
+                </a:tc>
+                <a:tc>
+                  <a:txBody>
+                    <a:bodyPr/>
+                    <a:lstStyle/>
+                    <a:p>
+                      <a:pPr algn="ctr"/>
+                      <a:endParaRPr sz="1800" dirty="0">
+                        <a:latin typeface="+mn-lt"/>
+                        <a:cs typeface="Times New Roman"/>
+                      </a:endParaRPr>
+                    </a:p>
+                  </a:txBody>
+                  <a:tcPr marL="0" marR="0" marT="0" marB="0" anchor="ctr">
+                    <a:lnL w="12700" cap="flat" cmpd="sng" algn="ctr">
+                      <a:solidFill>
+                        <a:srgbClr val="FFFFFF"/>
+                      </a:solidFill>
+                      <a:prstDash val="solid"/>
+                      <a:round/>
+                      <a:headEnd type="none" w="med" len="med"/>
+                      <a:tailEnd type="none" w="med" len="med"/>
+                    </a:lnL>
+                    <a:lnR w="12700" cap="flat" cmpd="sng" algn="ctr">
+                      <a:solidFill>
+                        <a:srgbClr val="FFFFFF"/>
+                      </a:solidFill>
+                      <a:prstDash val="solid"/>
+                      <a:round/>
+                      <a:headEnd type="none" w="med" len="med"/>
+                      <a:tailEnd type="none" w="med" len="med"/>
+                    </a:lnR>
+                    <a:lnT w="12700" cap="flat" cmpd="sng" algn="ctr">
+                      <a:solidFill>
+                        <a:srgbClr val="FFFFFF"/>
+                      </a:solidFill>
+                      <a:prstDash val="solid"/>
+                      <a:round/>
+                      <a:headEnd type="none" w="med" len="med"/>
+                      <a:tailEnd type="none" w="med" len="med"/>
+                    </a:lnT>
+                    <a:lnB w="12700">
+                      <a:solidFill>
+                        <a:srgbClr val="FFFFFF"/>
+                      </a:solidFill>
+                      <a:prstDash val="solid"/>
+                    </a:lnB>
+                    <a:solidFill>
+                      <a:srgbClr val="CDCDEB"/>
+                    </a:solidFill>
+                  </a:tcPr>
+                </a:tc>
+                <a:tc>
+                  <a:txBody>
+                    <a:bodyPr/>
+                    <a:lstStyle/>
+                    <a:p>
+                      <a:pPr algn="ctr"/>
+                      <a:endParaRPr sz="1800" dirty="0">
+                        <a:latin typeface="+mn-lt"/>
+                        <a:cs typeface="Times New Roman"/>
+                      </a:endParaRPr>
+                    </a:p>
+                  </a:txBody>
+                  <a:tcPr marL="0" marR="0" marT="0" marB="0" anchor="ctr">
+                    <a:lnL w="12700" cap="flat" cmpd="sng" algn="ctr">
+                      <a:solidFill>
+                        <a:srgbClr val="FFFFFF"/>
+                      </a:solidFill>
+                      <a:prstDash val="solid"/>
+                      <a:round/>
+                      <a:headEnd type="none" w="med" len="med"/>
+                      <a:tailEnd type="none" w="med" len="med"/>
+                    </a:lnL>
+                    <a:lnR w="12700">
+                      <a:solidFill>
+                        <a:srgbClr val="FFFFFF"/>
+                      </a:solidFill>
+                      <a:prstDash val="solid"/>
+                    </a:lnR>
+                    <a:lnT w="12700" cap="flat" cmpd="sng" algn="ctr">
+                      <a:solidFill>
+                        <a:srgbClr val="FFFFFF"/>
+                      </a:solidFill>
+                      <a:prstDash val="solid"/>
+                      <a:round/>
+                      <a:headEnd type="none" w="med" len="med"/>
+                      <a:tailEnd type="none" w="med" len="med"/>
                     </a:lnT>
                     <a:lnB w="12700">
                       <a:solidFill>
@@ -21025,56 +21905,6 @@
           </a:graphicData>
         </a:graphic>
       </p:graphicFrame>
-      <p:sp>
-        <p:nvSpPr>
-          <p:cNvPr id="5" name="Rectángulo 4">
-            <a:extLst>
-              <a:ext uri="{FF2B5EF4-FFF2-40B4-BE49-F238E27FC236}">
-                <a16:creationId xmlns:a16="http://schemas.microsoft.com/office/drawing/2014/main" id="{A102CBEE-F02E-4957-B590-6BC6FD09D189}"/>
-              </a:ext>
-            </a:extLst>
-          </p:cNvPr>
-          <p:cNvSpPr/>
-          <p:nvPr/>
-        </p:nvSpPr>
-        <p:spPr>
-          <a:xfrm>
-            <a:off x="688339" y="5543130"/>
-            <a:ext cx="7622540" cy="369332"/>
-          </a:xfrm>
-          <a:prstGeom prst="rect">
-            <a:avLst/>
-          </a:prstGeom>
-        </p:spPr>
-        <p:txBody>
-          <a:bodyPr wrap="square">
-            <a:spAutoFit/>
-          </a:bodyPr>
-          <a:lstStyle/>
-          <a:p>
-            <a:pPr marL="12700" marR="5080" algn="just">
-              <a:lnSpc>
-                <a:spcPct val="100000"/>
-              </a:lnSpc>
-            </a:pPr>
-            <a:r>
-              <a:rPr lang="es-ES" b="1" spc="-5" dirty="0">
-                <a:cs typeface="Times New Roman"/>
-              </a:rPr>
-              <a:t>NOTA: </a:t>
-            </a:r>
-            <a:r>
-              <a:rPr lang="es-ES" spc="-5" dirty="0">
-                <a:cs typeface="Times New Roman"/>
-              </a:rPr>
-              <a:t>Identificar el valor de la red o clase (los bits de reserva se copian)</a:t>
-            </a:r>
-            <a:endParaRPr lang="es-ES" dirty="0">
-              <a:cs typeface="Times New Roman"/>
-            </a:endParaRPr>
-          </a:p>
-        </p:txBody>
-      </p:sp>
     </p:spTree>
     <p:extLst>
       <p:ext uri="{BB962C8B-B14F-4D97-AF65-F5344CB8AC3E}">
@@ -21151,7 +21981,7 @@
                             </p:stCondLst>
                             <p:childTnLst>
                               <p:par>
-                                <p:cTn id="9" presetID="1" presetClass="entr" presetSubtype="0" fill="hold" nodeType="clickEffect">
+                                <p:cTn id="9" presetID="1" presetClass="entr" presetSubtype="0" fill="hold" grpId="0" nodeType="clickEffect">
                                   <p:stCondLst>
                                     <p:cond delay="0"/>
                                   </p:stCondLst>
@@ -21164,7 +21994,7 @@
                                           </p:stCondLst>
                                         </p:cTn>
                                         <p:tgtEl>
-                                          <p:spTgt spid="4"/>
+                                          <p:spTgt spid="5"/>
                                         </p:tgtEl>
                                         <p:attrNameLst>
                                           <p:attrName>style.visibility</p:attrName>
@@ -21196,7 +22026,7 @@
                             </p:stCondLst>
                             <p:childTnLst>
                               <p:par>
-                                <p:cTn id="13" presetID="1" presetClass="entr" presetSubtype="0" fill="hold" grpId="0" nodeType="clickEffect">
+                                <p:cTn id="13" presetID="1" presetClass="entr" presetSubtype="0" fill="hold" nodeType="clickEffect">
                                   <p:stCondLst>
                                     <p:cond delay="0"/>
                                   </p:stCondLst>
@@ -21209,7 +22039,7 @@
                                           </p:stCondLst>
                                         </p:cTn>
                                         <p:tgtEl>
-                                          <p:spTgt spid="5"/>
+                                          <p:spTgt spid="6"/>
                                         </p:tgtEl>
                                         <p:attrNameLst>
                                           <p:attrName>style.visibility</p:attrName>
